--- a/문서/작업물.pptx
+++ b/문서/작업물.pptx
@@ -9,6 +9,8 @@
     <p:sldId id="259" r:id="rId3"/>
     <p:sldId id="258" r:id="rId4"/>
     <p:sldId id="260" r:id="rId5"/>
+    <p:sldId id="261" r:id="rId6"/>
+    <p:sldId id="262" r:id="rId7"/>
   </p:sldIdLst>
   <p:sldSz cx="12192000" cy="6858000"/>
   <p:notesSz cx="6858000" cy="9144000"/>
@@ -3868,51 +3870,614 @@
       </p:grpSpPr>
       <p:sp>
         <p:nvSpPr>
-          <p:cNvPr id="2" name="제목 1">
-            <a:extLst>
-              <a:ext uri="{FF2B5EF4-FFF2-40B4-BE49-F238E27FC236}">
-                <a16:creationId xmlns:a16="http://schemas.microsoft.com/office/drawing/2014/main" id="{9A61AF0B-4241-4854-9D7F-2ED1AFC5003B}"/>
-              </a:ext>
-            </a:extLst>
-          </p:cNvPr>
-          <p:cNvSpPr>
-            <a:spLocks noGrp="1"/>
-          </p:cNvSpPr>
-          <p:nvPr>
-            <p:ph type="title"/>
-          </p:nvPr>
-        </p:nvSpPr>
-        <p:spPr/>
-        <p:txBody>
-          <a:bodyPr/>
-          <a:lstStyle/>
-          <a:p>
-            <a:endParaRPr lang="ko-KR" altLang="en-US"/>
-          </a:p>
-        </p:txBody>
-      </p:sp>
-      <p:sp>
-        <p:nvSpPr>
-          <p:cNvPr id="3" name="내용 개체 틀 2">
-            <a:extLst>
-              <a:ext uri="{FF2B5EF4-FFF2-40B4-BE49-F238E27FC236}">
-                <a16:creationId xmlns:a16="http://schemas.microsoft.com/office/drawing/2014/main" id="{635C3AA9-2250-42AD-AC47-57A9ED17E63E}"/>
-              </a:ext>
-            </a:extLst>
-          </p:cNvPr>
-          <p:cNvSpPr>
-            <a:spLocks noGrp="1"/>
-          </p:cNvSpPr>
-          <p:nvPr>
-            <p:ph idx="1"/>
-          </p:nvPr>
-        </p:nvSpPr>
-        <p:spPr/>
-        <p:txBody>
-          <a:bodyPr/>
-          <a:lstStyle/>
-          <a:p>
-            <a:endParaRPr lang="ko-KR" altLang="en-US"/>
+          <p:cNvPr id="5" name="TextBox 4">
+            <a:extLst>
+              <a:ext uri="{FF2B5EF4-FFF2-40B4-BE49-F238E27FC236}">
+                <a16:creationId xmlns:a16="http://schemas.microsoft.com/office/drawing/2014/main" id="{79057A9C-17B8-4EC0-A373-F0376DF6A672}"/>
+              </a:ext>
+            </a:extLst>
+          </p:cNvPr>
+          <p:cNvSpPr txBox="1"/>
+          <p:nvPr/>
+        </p:nvSpPr>
+        <p:spPr>
+          <a:xfrm>
+            <a:off x="340702" y="300535"/>
+            <a:ext cx="6097464" cy="1561838"/>
+          </a:xfrm>
+          <a:prstGeom prst="rect">
+            <a:avLst/>
+          </a:prstGeom>
+          <a:noFill/>
+        </p:spPr>
+        <p:txBody>
+          <a:bodyPr wrap="square">
+            <a:spAutoFit/>
+          </a:bodyPr>
+          <a:lstStyle/>
+          <a:p>
+            <a:pPr marL="342900" lvl="0" indent="-342900" algn="just" latinLnBrk="1">
+              <a:lnSpc>
+                <a:spcPct val="107000"/>
+              </a:lnSpc>
+              <a:spcAft>
+                <a:spcPts val="800"/>
+              </a:spcAft>
+              <a:buFont typeface="Wingdings" panose="05000000000000000000" pitchFamily="2" charset="2"/>
+              <a:buChar char=""/>
+            </a:pPr>
+            <a:r>
+              <a:rPr lang="ko-KR" altLang="ko-KR" sz="1800" kern="100" dirty="0">
+                <a:effectLst/>
+                <a:latin typeface="맑은 고딕" panose="020B0503020000020004" pitchFamily="34" charset="-127"/>
+                <a:ea typeface="맑은 고딕" panose="020B0503020000020004" pitchFamily="34" charset="-127"/>
+                <a:cs typeface="Times New Roman" panose="02020603050405020304" pitchFamily="18" charset="0"/>
+              </a:rPr>
+              <a:t>스토리 구성 </a:t>
+            </a:r>
+          </a:p>
+          <a:p>
+            <a:pPr marL="342900" lvl="0" indent="-342900" algn="just" latinLnBrk="1">
+              <a:lnSpc>
+                <a:spcPct val="107000"/>
+              </a:lnSpc>
+              <a:spcAft>
+                <a:spcPts val="800"/>
+              </a:spcAft>
+              <a:buFont typeface="맑은 고딕" panose="020B0503020000020004" pitchFamily="34" charset="-127"/>
+              <a:buChar char="-"/>
+            </a:pPr>
+            <a:r>
+              <a:rPr lang="ko-KR" altLang="ko-KR" sz="1800" kern="100" dirty="0">
+                <a:effectLst/>
+                <a:latin typeface="맑은 고딕" panose="020B0503020000020004" pitchFamily="34" charset="-127"/>
+                <a:ea typeface="맑은 고딕" panose="020B0503020000020004" pitchFamily="34" charset="-127"/>
+                <a:cs typeface="Times New Roman" panose="02020603050405020304" pitchFamily="18" charset="0"/>
+              </a:rPr>
+              <a:t>게임 시작 </a:t>
+            </a:r>
+            <a:r>
+              <a:rPr lang="ko-KR" altLang="ko-KR" sz="1800" kern="100" dirty="0" err="1">
+                <a:effectLst/>
+                <a:latin typeface="맑은 고딕" panose="020B0503020000020004" pitchFamily="34" charset="-127"/>
+                <a:ea typeface="맑은 고딕" panose="020B0503020000020004" pitchFamily="34" charset="-127"/>
+                <a:cs typeface="Times New Roman" panose="02020603050405020304" pitchFamily="18" charset="0"/>
+              </a:rPr>
+              <a:t>컷신</a:t>
+            </a:r>
+            <a:r>
+              <a:rPr lang="ko-KR" altLang="ko-KR" sz="1800" kern="100" dirty="0">
+                <a:effectLst/>
+                <a:latin typeface="맑은 고딕" panose="020B0503020000020004" pitchFamily="34" charset="-127"/>
+                <a:ea typeface="맑은 고딕" panose="020B0503020000020004" pitchFamily="34" charset="-127"/>
+                <a:cs typeface="Times New Roman" panose="02020603050405020304" pitchFamily="18" charset="0"/>
+              </a:rPr>
+              <a:t> 내용</a:t>
+            </a:r>
+          </a:p>
+          <a:p>
+            <a:pPr marL="342900" lvl="0" indent="-342900" algn="just" latinLnBrk="1">
+              <a:lnSpc>
+                <a:spcPct val="107000"/>
+              </a:lnSpc>
+              <a:spcAft>
+                <a:spcPts val="800"/>
+              </a:spcAft>
+              <a:buFont typeface="맑은 고딕" panose="020B0503020000020004" pitchFamily="34" charset="-127"/>
+              <a:buChar char="-"/>
+            </a:pPr>
+            <a:r>
+              <a:rPr lang="ko-KR" altLang="ko-KR" sz="1800" kern="100" dirty="0">
+                <a:effectLst/>
+                <a:latin typeface="맑은 고딕" panose="020B0503020000020004" pitchFamily="34" charset="-127"/>
+                <a:ea typeface="맑은 고딕" panose="020B0503020000020004" pitchFamily="34" charset="-127"/>
+                <a:cs typeface="Times New Roman" panose="02020603050405020304" pitchFamily="18" charset="0"/>
+              </a:rPr>
+              <a:t>던전 전멸 </a:t>
+            </a:r>
+            <a:r>
+              <a:rPr lang="ko-KR" altLang="ko-KR" sz="1800" kern="100" dirty="0" err="1">
+                <a:effectLst/>
+                <a:latin typeface="맑은 고딕" panose="020B0503020000020004" pitchFamily="34" charset="-127"/>
+                <a:ea typeface="맑은 고딕" panose="020B0503020000020004" pitchFamily="34" charset="-127"/>
+                <a:cs typeface="Times New Roman" panose="02020603050405020304" pitchFamily="18" charset="0"/>
+              </a:rPr>
+              <a:t>컷신</a:t>
+            </a:r>
+            <a:r>
+              <a:rPr lang="ko-KR" altLang="ko-KR" sz="1800" kern="100" dirty="0">
+                <a:effectLst/>
+                <a:latin typeface="맑은 고딕" panose="020B0503020000020004" pitchFamily="34" charset="-127"/>
+                <a:ea typeface="맑은 고딕" panose="020B0503020000020004" pitchFamily="34" charset="-127"/>
+                <a:cs typeface="Times New Roman" panose="02020603050405020304" pitchFamily="18" charset="0"/>
+              </a:rPr>
+              <a:t> 내용</a:t>
+            </a:r>
+          </a:p>
+          <a:p>
+            <a:pPr marL="342900" lvl="0" indent="-342900" algn="just" latinLnBrk="1">
+              <a:lnSpc>
+                <a:spcPct val="107000"/>
+              </a:lnSpc>
+              <a:spcAft>
+                <a:spcPts val="800"/>
+              </a:spcAft>
+              <a:buFont typeface="맑은 고딕" panose="020B0503020000020004" pitchFamily="34" charset="-127"/>
+              <a:buChar char="-"/>
+            </a:pPr>
+            <a:r>
+              <a:rPr lang="ko-KR" altLang="ko-KR" sz="1800" kern="100" dirty="0">
+                <a:effectLst/>
+                <a:latin typeface="맑은 고딕" panose="020B0503020000020004" pitchFamily="34" charset="-127"/>
+                <a:ea typeface="맑은 고딕" panose="020B0503020000020004" pitchFamily="34" charset="-127"/>
+                <a:cs typeface="Times New Roman" panose="02020603050405020304" pitchFamily="18" charset="0"/>
+              </a:rPr>
+              <a:t>게임 오버 </a:t>
+            </a:r>
+            <a:r>
+              <a:rPr lang="ko-KR" altLang="ko-KR" sz="1800" kern="100" dirty="0" err="1">
+                <a:effectLst/>
+                <a:latin typeface="맑은 고딕" panose="020B0503020000020004" pitchFamily="34" charset="-127"/>
+                <a:ea typeface="맑은 고딕" panose="020B0503020000020004" pitchFamily="34" charset="-127"/>
+                <a:cs typeface="Times New Roman" panose="02020603050405020304" pitchFamily="18" charset="0"/>
+              </a:rPr>
+              <a:t>컷신</a:t>
+            </a:r>
+            <a:r>
+              <a:rPr lang="ko-KR" altLang="ko-KR" sz="1800" kern="100" dirty="0">
+                <a:effectLst/>
+                <a:latin typeface="맑은 고딕" panose="020B0503020000020004" pitchFamily="34" charset="-127"/>
+                <a:ea typeface="맑은 고딕" panose="020B0503020000020004" pitchFamily="34" charset="-127"/>
+                <a:cs typeface="Times New Roman" panose="02020603050405020304" pitchFamily="18" charset="0"/>
+              </a:rPr>
+              <a:t> 내용</a:t>
+            </a:r>
+          </a:p>
+        </p:txBody>
+      </p:sp>
+      <p:sp>
+        <p:nvSpPr>
+          <p:cNvPr id="7" name="TextBox 6">
+            <a:extLst>
+              <a:ext uri="{FF2B5EF4-FFF2-40B4-BE49-F238E27FC236}">
+                <a16:creationId xmlns:a16="http://schemas.microsoft.com/office/drawing/2014/main" id="{7505D203-AC2B-4BD9-A23C-0296BB35168F}"/>
+              </a:ext>
+            </a:extLst>
+          </p:cNvPr>
+          <p:cNvSpPr txBox="1"/>
+          <p:nvPr/>
+        </p:nvSpPr>
+        <p:spPr>
+          <a:xfrm>
+            <a:off x="340702" y="2015591"/>
+            <a:ext cx="6097464" cy="364972"/>
+          </a:xfrm>
+          <a:prstGeom prst="rect">
+            <a:avLst/>
+          </a:prstGeom>
+          <a:noFill/>
+        </p:spPr>
+        <p:txBody>
+          <a:bodyPr wrap="square">
+            <a:spAutoFit/>
+          </a:bodyPr>
+          <a:lstStyle/>
+          <a:p>
+            <a:pPr marL="342900" lvl="0" indent="-342900" algn="just" latinLnBrk="1">
+              <a:lnSpc>
+                <a:spcPct val="107000"/>
+              </a:lnSpc>
+              <a:spcAft>
+                <a:spcPts val="800"/>
+              </a:spcAft>
+              <a:buFont typeface="Wingdings" panose="05000000000000000000" pitchFamily="2" charset="2"/>
+              <a:buChar char=""/>
+            </a:pPr>
+            <a:r>
+              <a:rPr lang="ko-KR" altLang="ko-KR" sz="1800" kern="100" dirty="0">
+                <a:effectLst/>
+                <a:latin typeface="맑은 고딕" panose="020B0503020000020004" pitchFamily="34" charset="-127"/>
+                <a:ea typeface="맑은 고딕" panose="020B0503020000020004" pitchFamily="34" charset="-127"/>
+                <a:cs typeface="Times New Roman" panose="02020603050405020304" pitchFamily="18" charset="0"/>
+              </a:rPr>
+              <a:t>던전 내 인벤토리 기획 내용 추가</a:t>
+            </a:r>
+          </a:p>
+        </p:txBody>
+      </p:sp>
+      <p:sp>
+        <p:nvSpPr>
+          <p:cNvPr id="9" name="TextBox 8">
+            <a:extLst>
+              <a:ext uri="{FF2B5EF4-FFF2-40B4-BE49-F238E27FC236}">
+                <a16:creationId xmlns:a16="http://schemas.microsoft.com/office/drawing/2014/main" id="{6621C78F-D491-4955-B300-E32E7EC6CA2D}"/>
+              </a:ext>
+            </a:extLst>
+          </p:cNvPr>
+          <p:cNvSpPr txBox="1"/>
+          <p:nvPr/>
+        </p:nvSpPr>
+        <p:spPr>
+          <a:xfrm>
+            <a:off x="279156" y="2453192"/>
+            <a:ext cx="10412290" cy="1162882"/>
+          </a:xfrm>
+          <a:prstGeom prst="rect">
+            <a:avLst/>
+          </a:prstGeom>
+          <a:noFill/>
+        </p:spPr>
+        <p:txBody>
+          <a:bodyPr wrap="square">
+            <a:spAutoFit/>
+          </a:bodyPr>
+          <a:lstStyle/>
+          <a:p>
+            <a:pPr marL="342900" lvl="0" indent="-342900" algn="just" latinLnBrk="1">
+              <a:lnSpc>
+                <a:spcPct val="107000"/>
+              </a:lnSpc>
+              <a:spcAft>
+                <a:spcPts val="800"/>
+              </a:spcAft>
+              <a:buFont typeface="Wingdings" panose="05000000000000000000" pitchFamily="2" charset="2"/>
+              <a:buChar char=""/>
+            </a:pPr>
+            <a:r>
+              <a:rPr lang="ko-KR" altLang="ko-KR" sz="1800" kern="100" dirty="0">
+                <a:effectLst/>
+                <a:latin typeface="맑은 고딕" panose="020B0503020000020004" pitchFamily="34" charset="-127"/>
+                <a:ea typeface="맑은 고딕" panose="020B0503020000020004" pitchFamily="34" charset="-127"/>
+                <a:cs typeface="Times New Roman" panose="02020603050405020304" pitchFamily="18" charset="0"/>
+              </a:rPr>
+              <a:t>모험가 랭크 칭호 시스템 기획 내용 및 테이블 추가</a:t>
+            </a:r>
+          </a:p>
+          <a:p>
+            <a:pPr marL="342900" lvl="0" indent="-342900" algn="just" latinLnBrk="1">
+              <a:lnSpc>
+                <a:spcPct val="107000"/>
+              </a:lnSpc>
+              <a:spcAft>
+                <a:spcPts val="800"/>
+              </a:spcAft>
+              <a:buFont typeface="맑은 고딕" panose="020B0503020000020004" pitchFamily="34" charset="-127"/>
+              <a:buChar char="-"/>
+            </a:pPr>
+            <a:r>
+              <a:rPr lang="en-US" altLang="ko-KR" sz="1800" kern="100" dirty="0">
+                <a:effectLst/>
+                <a:latin typeface="맑은 고딕" panose="020B0503020000020004" pitchFamily="34" charset="-127"/>
+                <a:ea typeface="맑은 고딕" panose="020B0503020000020004" pitchFamily="34" charset="-127"/>
+                <a:cs typeface="Times New Roman" panose="02020603050405020304" pitchFamily="18" charset="0"/>
+              </a:rPr>
+              <a:t>10</a:t>
+            </a:r>
+            <a:r>
+              <a:rPr lang="ko-KR" altLang="ko-KR" sz="1800" kern="100" dirty="0">
+                <a:effectLst/>
+                <a:latin typeface="맑은 고딕" panose="020B0503020000020004" pitchFamily="34" charset="-127"/>
+                <a:ea typeface="맑은 고딕" panose="020B0503020000020004" pitchFamily="34" charset="-127"/>
+                <a:cs typeface="Times New Roman" panose="02020603050405020304" pitchFamily="18" charset="0"/>
+              </a:rPr>
+              <a:t>층 단위로 모험가 랭크가 </a:t>
+            </a:r>
+            <a:r>
+              <a:rPr lang="en-US" altLang="ko-KR" sz="1800" kern="100" dirty="0">
+                <a:effectLst/>
+                <a:latin typeface="맑은 고딕" panose="020B0503020000020004" pitchFamily="34" charset="-127"/>
+                <a:ea typeface="맑은 고딕" panose="020B0503020000020004" pitchFamily="34" charset="-127"/>
+                <a:cs typeface="Times New Roman" panose="02020603050405020304" pitchFamily="18" charset="0"/>
+              </a:rPr>
+              <a:t>+1 </a:t>
+            </a:r>
+            <a:r>
+              <a:rPr lang="ko-KR" altLang="ko-KR" sz="1800" kern="100" dirty="0">
+                <a:effectLst/>
+                <a:latin typeface="맑은 고딕" panose="020B0503020000020004" pitchFamily="34" charset="-127"/>
+                <a:ea typeface="맑은 고딕" panose="020B0503020000020004" pitchFamily="34" charset="-127"/>
+                <a:cs typeface="Times New Roman" panose="02020603050405020304" pitchFamily="18" charset="0"/>
+              </a:rPr>
+              <a:t>되며 랭크에 따라 스킬 획득 및 캐릭터 레벨 상한선 등이 변화함</a:t>
+            </a:r>
+          </a:p>
+          <a:p>
+            <a:pPr marL="342900" lvl="0" indent="-342900" algn="just" latinLnBrk="1">
+              <a:lnSpc>
+                <a:spcPct val="107000"/>
+              </a:lnSpc>
+              <a:spcAft>
+                <a:spcPts val="800"/>
+              </a:spcAft>
+              <a:buFont typeface="맑은 고딕" panose="020B0503020000020004" pitchFamily="34" charset="-127"/>
+              <a:buChar char="-"/>
+            </a:pPr>
+            <a:r>
+              <a:rPr lang="ko-KR" altLang="ko-KR" sz="1800" kern="100" dirty="0">
+                <a:effectLst/>
+                <a:latin typeface="맑은 고딕" panose="020B0503020000020004" pitchFamily="34" charset="-127"/>
+                <a:ea typeface="맑은 고딕" panose="020B0503020000020004" pitchFamily="34" charset="-127"/>
+                <a:cs typeface="Times New Roman" panose="02020603050405020304" pitchFamily="18" charset="0"/>
+              </a:rPr>
+              <a:t>테이블로 제어</a:t>
+            </a:r>
+          </a:p>
+        </p:txBody>
+      </p:sp>
+      <p:sp>
+        <p:nvSpPr>
+          <p:cNvPr id="11" name="TextBox 10">
+            <a:extLst>
+              <a:ext uri="{FF2B5EF4-FFF2-40B4-BE49-F238E27FC236}">
+                <a16:creationId xmlns:a16="http://schemas.microsoft.com/office/drawing/2014/main" id="{BC07EE64-F7F6-4AD9-8A8E-CAB3A88F53BE}"/>
+              </a:ext>
+            </a:extLst>
+          </p:cNvPr>
+          <p:cNvSpPr txBox="1"/>
+          <p:nvPr/>
+        </p:nvSpPr>
+        <p:spPr>
+          <a:xfrm>
+            <a:off x="279155" y="3616074"/>
+            <a:ext cx="7915275" cy="763927"/>
+          </a:xfrm>
+          <a:prstGeom prst="rect">
+            <a:avLst/>
+          </a:prstGeom>
+          <a:noFill/>
+        </p:spPr>
+        <p:txBody>
+          <a:bodyPr wrap="square">
+            <a:spAutoFit/>
+          </a:bodyPr>
+          <a:lstStyle/>
+          <a:p>
+            <a:pPr marL="342900" lvl="0" indent="-342900" algn="just" latinLnBrk="1">
+              <a:lnSpc>
+                <a:spcPct val="107000"/>
+              </a:lnSpc>
+              <a:spcAft>
+                <a:spcPts val="800"/>
+              </a:spcAft>
+              <a:buFont typeface="Wingdings" panose="05000000000000000000" pitchFamily="2" charset="2"/>
+              <a:buChar char=""/>
+            </a:pPr>
+            <a:r>
+              <a:rPr lang="ko-KR" altLang="ko-KR" sz="1800" kern="100">
+                <a:effectLst/>
+                <a:latin typeface="맑은 고딕" panose="020B0503020000020004" pitchFamily="34" charset="-127"/>
+                <a:ea typeface="맑은 고딕" panose="020B0503020000020004" pitchFamily="34" charset="-127"/>
+                <a:cs typeface="Times New Roman" panose="02020603050405020304" pitchFamily="18" charset="0"/>
+              </a:rPr>
+              <a:t>아이템 구매 판매가 추가</a:t>
+            </a:r>
+            <a:r>
+              <a:rPr lang="en-US" altLang="ko-KR" sz="1800" kern="100" dirty="0">
+                <a:effectLst/>
+                <a:latin typeface="맑은 고딕" panose="020B0503020000020004" pitchFamily="34" charset="-127"/>
+                <a:ea typeface="맑은 고딕" panose="020B0503020000020004" pitchFamily="34" charset="-127"/>
+                <a:cs typeface="Times New Roman" panose="02020603050405020304" pitchFamily="18" charset="0"/>
+              </a:rPr>
+              <a:t>(</a:t>
+            </a:r>
+            <a:r>
+              <a:rPr lang="en-US" altLang="ko-KR" sz="1800" kern="100" dirty="0" err="1">
+                <a:effectLst/>
+                <a:latin typeface="맑은 고딕" panose="020B0503020000020004" pitchFamily="34" charset="-127"/>
+                <a:ea typeface="맑은 고딕" panose="020B0503020000020004" pitchFamily="34" charset="-127"/>
+                <a:cs typeface="Times New Roman" panose="02020603050405020304" pitchFamily="18" charset="0"/>
+              </a:rPr>
+              <a:t>itemStore</a:t>
+            </a:r>
+            <a:r>
+              <a:rPr lang="en-US" altLang="ko-KR" sz="1800" kern="100" dirty="0">
+                <a:effectLst/>
+                <a:latin typeface="맑은 고딕" panose="020B0503020000020004" pitchFamily="34" charset="-127"/>
+                <a:ea typeface="맑은 고딕" panose="020B0503020000020004" pitchFamily="34" charset="-127"/>
+                <a:cs typeface="Times New Roman" panose="02020603050405020304" pitchFamily="18" charset="0"/>
+              </a:rPr>
+              <a:t>)</a:t>
+            </a:r>
+            <a:endParaRPr lang="ko-KR" altLang="ko-KR" sz="1800" kern="100" dirty="0">
+              <a:effectLst/>
+              <a:latin typeface="맑은 고딕" panose="020B0503020000020004" pitchFamily="34" charset="-127"/>
+              <a:ea typeface="맑은 고딕" panose="020B0503020000020004" pitchFamily="34" charset="-127"/>
+              <a:cs typeface="Times New Roman" panose="02020603050405020304" pitchFamily="18" charset="0"/>
+            </a:endParaRPr>
+          </a:p>
+          <a:p>
+            <a:pPr marL="342900" lvl="0" indent="-342900" algn="just" latinLnBrk="1">
+              <a:lnSpc>
+                <a:spcPct val="107000"/>
+              </a:lnSpc>
+              <a:spcAft>
+                <a:spcPts val="800"/>
+              </a:spcAft>
+              <a:buFont typeface="맑은 고딕" panose="020B0503020000020004" pitchFamily="34" charset="-127"/>
+              <a:buChar char="-"/>
+            </a:pPr>
+            <a:r>
+              <a:rPr lang="ko-KR" altLang="ko-KR" sz="1800" kern="100" dirty="0">
+                <a:effectLst/>
+                <a:latin typeface="맑은 고딕" panose="020B0503020000020004" pitchFamily="34" charset="-127"/>
+                <a:ea typeface="맑은 고딕" panose="020B0503020000020004" pitchFamily="34" charset="-127"/>
+                <a:cs typeface="Times New Roman" panose="02020603050405020304" pitchFamily="18" charset="0"/>
+              </a:rPr>
+              <a:t>아이템 판매 가격 제어</a:t>
+            </a:r>
+          </a:p>
+        </p:txBody>
+      </p:sp>
+      <p:sp>
+        <p:nvSpPr>
+          <p:cNvPr id="13" name="TextBox 12">
+            <a:extLst>
+              <a:ext uri="{FF2B5EF4-FFF2-40B4-BE49-F238E27FC236}">
+                <a16:creationId xmlns:a16="http://schemas.microsoft.com/office/drawing/2014/main" id="{D7A38A9C-05A6-47D6-8E64-53EE225DF054}"/>
+              </a:ext>
+            </a:extLst>
+          </p:cNvPr>
+          <p:cNvSpPr txBox="1"/>
+          <p:nvPr/>
+        </p:nvSpPr>
+        <p:spPr>
+          <a:xfrm>
+            <a:off x="296742" y="4380001"/>
+            <a:ext cx="7475658" cy="1162882"/>
+          </a:xfrm>
+          <a:prstGeom prst="rect">
+            <a:avLst/>
+          </a:prstGeom>
+          <a:noFill/>
+        </p:spPr>
+        <p:txBody>
+          <a:bodyPr wrap="square">
+            <a:spAutoFit/>
+          </a:bodyPr>
+          <a:lstStyle/>
+          <a:p>
+            <a:pPr marL="342900" lvl="0" indent="-342900" algn="just" latinLnBrk="1">
+              <a:lnSpc>
+                <a:spcPct val="107000"/>
+              </a:lnSpc>
+              <a:spcAft>
+                <a:spcPts val="800"/>
+              </a:spcAft>
+              <a:buFont typeface="Wingdings" panose="05000000000000000000" pitchFamily="2" charset="2"/>
+              <a:buChar char=""/>
+            </a:pPr>
+            <a:r>
+              <a:rPr lang="en-US" altLang="ko-KR" sz="1800" kern="100" dirty="0">
+                <a:effectLst/>
+                <a:latin typeface="맑은 고딕" panose="020B0503020000020004" pitchFamily="34" charset="-127"/>
+                <a:ea typeface="맑은 고딕" panose="020B0503020000020004" pitchFamily="34" charset="-127"/>
+                <a:cs typeface="Times New Roman" panose="02020603050405020304" pitchFamily="18" charset="0"/>
+              </a:rPr>
+              <a:t>BGM </a:t>
+            </a:r>
+            <a:r>
+              <a:rPr lang="ko-KR" altLang="ko-KR" sz="1800" kern="100" dirty="0">
+                <a:effectLst/>
+                <a:latin typeface="맑은 고딕" panose="020B0503020000020004" pitchFamily="34" charset="-127"/>
+                <a:ea typeface="맑은 고딕" panose="020B0503020000020004" pitchFamily="34" charset="-127"/>
+                <a:cs typeface="Times New Roman" panose="02020603050405020304" pitchFamily="18" charset="0"/>
+              </a:rPr>
+              <a:t>추가</a:t>
+            </a:r>
+          </a:p>
+          <a:p>
+            <a:pPr marL="342900" lvl="0" indent="-342900" algn="just" latinLnBrk="1">
+              <a:lnSpc>
+                <a:spcPct val="107000"/>
+              </a:lnSpc>
+              <a:spcAft>
+                <a:spcPts val="800"/>
+              </a:spcAft>
+              <a:buFont typeface="맑은 고딕" panose="020B0503020000020004" pitchFamily="34" charset="-127"/>
+              <a:buChar char="-"/>
+            </a:pPr>
+            <a:r>
+              <a:rPr lang="ko-KR" altLang="ko-KR" sz="1800" kern="100" dirty="0">
+                <a:effectLst/>
+                <a:latin typeface="맑은 고딕" panose="020B0503020000020004" pitchFamily="34" charset="-127"/>
+                <a:ea typeface="맑은 고딕" panose="020B0503020000020004" pitchFamily="34" charset="-127"/>
+                <a:cs typeface="Times New Roman" panose="02020603050405020304" pitchFamily="18" charset="0"/>
+              </a:rPr>
+              <a:t>전투</a:t>
+            </a:r>
+            <a:r>
+              <a:rPr lang="en-US" altLang="ko-KR" sz="1800" kern="100" dirty="0">
+                <a:effectLst/>
+                <a:latin typeface="맑은 고딕" panose="020B0503020000020004" pitchFamily="34" charset="-127"/>
+                <a:ea typeface="맑은 고딕" panose="020B0503020000020004" pitchFamily="34" charset="-127"/>
+                <a:cs typeface="Times New Roman" panose="02020603050405020304" pitchFamily="18" charset="0"/>
+              </a:rPr>
+              <a:t>, </a:t>
+            </a:r>
+            <a:r>
+              <a:rPr lang="ko-KR" altLang="ko-KR" sz="1800" kern="100" dirty="0">
+                <a:effectLst/>
+                <a:latin typeface="맑은 고딕" panose="020B0503020000020004" pitchFamily="34" charset="-127"/>
+                <a:ea typeface="맑은 고딕" panose="020B0503020000020004" pitchFamily="34" charset="-127"/>
+                <a:cs typeface="Times New Roman" panose="02020603050405020304" pitchFamily="18" charset="0"/>
+              </a:rPr>
+              <a:t>이벤트</a:t>
+            </a:r>
+            <a:r>
+              <a:rPr lang="en-US" altLang="ko-KR" sz="1800" kern="100" dirty="0">
+                <a:effectLst/>
+                <a:latin typeface="맑은 고딕" panose="020B0503020000020004" pitchFamily="34" charset="-127"/>
+                <a:ea typeface="맑은 고딕" panose="020B0503020000020004" pitchFamily="34" charset="-127"/>
+                <a:cs typeface="Times New Roman" panose="02020603050405020304" pitchFamily="18" charset="0"/>
+              </a:rPr>
+              <a:t>, </a:t>
+            </a:r>
+            <a:r>
+              <a:rPr lang="ko-KR" altLang="ko-KR" sz="1800" kern="100" dirty="0">
+                <a:effectLst/>
+                <a:latin typeface="맑은 고딕" panose="020B0503020000020004" pitchFamily="34" charset="-127"/>
+                <a:ea typeface="맑은 고딕" panose="020B0503020000020004" pitchFamily="34" charset="-127"/>
+                <a:cs typeface="Times New Roman" panose="02020603050405020304" pitchFamily="18" charset="0"/>
+              </a:rPr>
+              <a:t>메뉴 화면</a:t>
+            </a:r>
+            <a:r>
+              <a:rPr lang="en-US" altLang="ko-KR" sz="1800" kern="100" dirty="0">
+                <a:effectLst/>
+                <a:latin typeface="맑은 고딕" panose="020B0503020000020004" pitchFamily="34" charset="-127"/>
+                <a:ea typeface="맑은 고딕" panose="020B0503020000020004" pitchFamily="34" charset="-127"/>
+                <a:cs typeface="Times New Roman" panose="02020603050405020304" pitchFamily="18" charset="0"/>
+              </a:rPr>
+              <a:t>, </a:t>
+            </a:r>
+            <a:r>
+              <a:rPr lang="ko-KR" altLang="ko-KR" sz="1800" kern="100" dirty="0">
+                <a:effectLst/>
+                <a:latin typeface="맑은 고딕" panose="020B0503020000020004" pitchFamily="34" charset="-127"/>
+                <a:ea typeface="맑은 고딕" panose="020B0503020000020004" pitchFamily="34" charset="-127"/>
+                <a:cs typeface="Times New Roman" panose="02020603050405020304" pitchFamily="18" charset="0"/>
+              </a:rPr>
+              <a:t>마을 화면에서 나오는 </a:t>
+            </a:r>
+            <a:r>
+              <a:rPr lang="en-US" altLang="ko-KR" sz="1800" kern="100" dirty="0">
+                <a:effectLst/>
+                <a:latin typeface="맑은 고딕" panose="020B0503020000020004" pitchFamily="34" charset="-127"/>
+                <a:ea typeface="맑은 고딕" panose="020B0503020000020004" pitchFamily="34" charset="-127"/>
+                <a:cs typeface="Times New Roman" panose="02020603050405020304" pitchFamily="18" charset="0"/>
+              </a:rPr>
+              <a:t>BGM </a:t>
+            </a:r>
+            <a:r>
+              <a:rPr lang="ko-KR" altLang="ko-KR" sz="1800" kern="100" dirty="0">
+                <a:effectLst/>
+                <a:latin typeface="맑은 고딕" panose="020B0503020000020004" pitchFamily="34" charset="-127"/>
+                <a:ea typeface="맑은 고딕" panose="020B0503020000020004" pitchFamily="34" charset="-127"/>
+                <a:cs typeface="Times New Roman" panose="02020603050405020304" pitchFamily="18" charset="0"/>
+              </a:rPr>
+              <a:t>추가</a:t>
+            </a:r>
+          </a:p>
+          <a:p>
+            <a:pPr marL="342900" lvl="0" indent="-342900" algn="just" latinLnBrk="1">
+              <a:lnSpc>
+                <a:spcPct val="107000"/>
+              </a:lnSpc>
+              <a:spcAft>
+                <a:spcPts val="800"/>
+              </a:spcAft>
+              <a:buFont typeface="맑은 고딕" panose="020B0503020000020004" pitchFamily="34" charset="-127"/>
+              <a:buChar char="-"/>
+            </a:pPr>
+            <a:r>
+              <a:rPr lang="ko-KR" altLang="ko-KR" sz="1800" kern="100" dirty="0">
+                <a:effectLst/>
+                <a:latin typeface="맑은 고딕" panose="020B0503020000020004" pitchFamily="34" charset="-127"/>
+                <a:ea typeface="맑은 고딕" panose="020B0503020000020004" pitchFamily="34" charset="-127"/>
+                <a:cs typeface="Times New Roman" panose="02020603050405020304" pitchFamily="18" charset="0"/>
+              </a:rPr>
+              <a:t>이벤트의 경우 음원 파일 수정하여 특정 구간만 반복되도록 수정</a:t>
+            </a:r>
           </a:p>
         </p:txBody>
       </p:sp>
@@ -3920,6 +4485,1489 @@
     <p:extLst>
       <p:ext uri="{BB962C8B-B14F-4D97-AF65-F5344CB8AC3E}">
         <p14:creationId xmlns:p14="http://schemas.microsoft.com/office/powerpoint/2010/main" val="1493961807"/>
+      </p:ext>
+    </p:extLst>
+  </p:cSld>
+  <p:clrMapOvr>
+    <a:masterClrMapping/>
+  </p:clrMapOvr>
+</p:sld>
+</file>
+
+<file path=ppt/slides/slide5.xml><?xml version="1.0" encoding="utf-8"?>
+<p:sld xmlns:a="http://schemas.openxmlformats.org/drawingml/2006/main" xmlns:r="http://schemas.openxmlformats.org/officeDocument/2006/relationships" xmlns:p="http://schemas.openxmlformats.org/presentationml/2006/main">
+  <p:cSld>
+    <p:spTree>
+      <p:nvGrpSpPr>
+        <p:cNvPr id="1" name=""/>
+        <p:cNvGrpSpPr/>
+        <p:nvPr/>
+      </p:nvGrpSpPr>
+      <p:grpSpPr>
+        <a:xfrm>
+          <a:off x="0" y="0"/>
+          <a:ext cx="0" cy="0"/>
+          <a:chOff x="0" y="0"/>
+          <a:chExt cx="0" cy="0"/>
+        </a:xfrm>
+      </p:grpSpPr>
+      <p:sp>
+        <p:nvSpPr>
+          <p:cNvPr id="5" name="TextBox 4">
+            <a:extLst>
+              <a:ext uri="{FF2B5EF4-FFF2-40B4-BE49-F238E27FC236}">
+                <a16:creationId xmlns:a16="http://schemas.microsoft.com/office/drawing/2014/main" id="{3E70715F-35FF-4397-8F1F-B39901CC4F79}"/>
+              </a:ext>
+            </a:extLst>
+          </p:cNvPr>
+          <p:cNvSpPr txBox="1"/>
+          <p:nvPr/>
+        </p:nvSpPr>
+        <p:spPr>
+          <a:xfrm>
+            <a:off x="-1" y="102901"/>
+            <a:ext cx="7754815" cy="763927"/>
+          </a:xfrm>
+          <a:prstGeom prst="rect">
+            <a:avLst/>
+          </a:prstGeom>
+          <a:noFill/>
+        </p:spPr>
+        <p:txBody>
+          <a:bodyPr wrap="square">
+            <a:spAutoFit/>
+          </a:bodyPr>
+          <a:lstStyle/>
+          <a:p>
+            <a:pPr marL="342900" lvl="0" indent="-342900" algn="just" latinLnBrk="1">
+              <a:lnSpc>
+                <a:spcPct val="107000"/>
+              </a:lnSpc>
+              <a:spcAft>
+                <a:spcPts val="800"/>
+              </a:spcAft>
+              <a:buFont typeface="Wingdings" panose="05000000000000000000" pitchFamily="2" charset="2"/>
+              <a:buChar char=""/>
+            </a:pPr>
+            <a:r>
+              <a:rPr lang="ko-KR" altLang="ko-KR" sz="1800" kern="100" dirty="0">
+                <a:effectLst/>
+                <a:latin typeface="맑은 고딕" panose="020B0503020000020004" pitchFamily="34" charset="-127"/>
+                <a:ea typeface="맑은 고딕" panose="020B0503020000020004" pitchFamily="34" charset="-127"/>
+                <a:cs typeface="Times New Roman" panose="02020603050405020304" pitchFamily="18" charset="0"/>
+              </a:rPr>
+              <a:t>적 타겟팅 되는 시스템 기획 내용 추가</a:t>
+            </a:r>
+          </a:p>
+          <a:p>
+            <a:pPr marL="482600" algn="just" latinLnBrk="1">
+              <a:lnSpc>
+                <a:spcPct val="107000"/>
+              </a:lnSpc>
+              <a:spcAft>
+                <a:spcPts val="800"/>
+              </a:spcAft>
+            </a:pPr>
+            <a:r>
+              <a:rPr lang="en-US" altLang="ko-KR" sz="1800" kern="100" dirty="0">
+                <a:effectLst/>
+                <a:latin typeface="맑은 고딕" panose="020B0503020000020004" pitchFamily="34" charset="-127"/>
+                <a:ea typeface="맑은 고딕" panose="020B0503020000020004" pitchFamily="34" charset="-127"/>
+                <a:cs typeface="Times New Roman" panose="02020603050405020304" pitchFamily="18" charset="0"/>
+              </a:rPr>
+              <a:t>- </a:t>
+            </a:r>
+            <a:r>
+              <a:rPr lang="ko-KR" altLang="ko-KR" sz="1800" kern="100" dirty="0">
+                <a:effectLst/>
+                <a:latin typeface="맑은 고딕" panose="020B0503020000020004" pitchFamily="34" charset="-127"/>
+                <a:ea typeface="맑은 고딕" panose="020B0503020000020004" pitchFamily="34" charset="-127"/>
+                <a:cs typeface="Times New Roman" panose="02020603050405020304" pitchFamily="18" charset="0"/>
+              </a:rPr>
+              <a:t>기본적으로 같은 확률이되</a:t>
+            </a:r>
+            <a:r>
+              <a:rPr lang="en-US" altLang="ko-KR" sz="1800" kern="100" dirty="0">
+                <a:effectLst/>
+                <a:latin typeface="맑은 고딕" panose="020B0503020000020004" pitchFamily="34" charset="-127"/>
+                <a:ea typeface="맑은 고딕" panose="020B0503020000020004" pitchFamily="34" charset="-127"/>
+                <a:cs typeface="Times New Roman" panose="02020603050405020304" pitchFamily="18" charset="0"/>
+              </a:rPr>
+              <a:t>, </a:t>
+            </a:r>
+            <a:r>
+              <a:rPr lang="ko-KR" altLang="ko-KR" sz="1800" kern="100" dirty="0">
+                <a:effectLst/>
+                <a:latin typeface="맑은 고딕" panose="020B0503020000020004" pitchFamily="34" charset="-127"/>
+                <a:ea typeface="맑은 고딕" panose="020B0503020000020004" pitchFamily="34" charset="-127"/>
+                <a:cs typeface="Times New Roman" panose="02020603050405020304" pitchFamily="18" charset="0"/>
+              </a:rPr>
+              <a:t>근접 클래스가 </a:t>
+            </a:r>
+            <a:r>
+              <a:rPr lang="ko-KR" altLang="ko-KR" sz="1800" kern="100" dirty="0" err="1">
+                <a:effectLst/>
+                <a:latin typeface="맑은 고딕" panose="020B0503020000020004" pitchFamily="34" charset="-127"/>
+                <a:ea typeface="맑은 고딕" panose="020B0503020000020004" pitchFamily="34" charset="-127"/>
+                <a:cs typeface="Times New Roman" panose="02020603050405020304" pitchFamily="18" charset="0"/>
+              </a:rPr>
+              <a:t>타겟될</a:t>
+            </a:r>
+            <a:r>
+              <a:rPr lang="ko-KR" altLang="ko-KR" sz="1800" kern="100" dirty="0">
+                <a:effectLst/>
+                <a:latin typeface="맑은 고딕" panose="020B0503020000020004" pitchFamily="34" charset="-127"/>
+                <a:ea typeface="맑은 고딕" panose="020B0503020000020004" pitchFamily="34" charset="-127"/>
+                <a:cs typeface="Times New Roman" panose="02020603050405020304" pitchFamily="18" charset="0"/>
+              </a:rPr>
+              <a:t> 확률이</a:t>
+            </a:r>
+            <a:r>
+              <a:rPr lang="en-US" altLang="ko-KR" sz="1800" kern="100" dirty="0">
+                <a:effectLst/>
+                <a:latin typeface="맑은 고딕" panose="020B0503020000020004" pitchFamily="34" charset="-127"/>
+                <a:ea typeface="맑은 고딕" panose="020B0503020000020004" pitchFamily="34" charset="-127"/>
+                <a:cs typeface="Times New Roman" panose="02020603050405020304" pitchFamily="18" charset="0"/>
+              </a:rPr>
+              <a:t> 10% </a:t>
+            </a:r>
+            <a:r>
+              <a:rPr lang="ko-KR" altLang="ko-KR" sz="1800" kern="100" dirty="0">
+                <a:effectLst/>
+                <a:latin typeface="맑은 고딕" panose="020B0503020000020004" pitchFamily="34" charset="-127"/>
+                <a:ea typeface="맑은 고딕" panose="020B0503020000020004" pitchFamily="34" charset="-127"/>
+                <a:cs typeface="Times New Roman" panose="02020603050405020304" pitchFamily="18" charset="0"/>
+              </a:rPr>
+              <a:t>높음</a:t>
+            </a:r>
+          </a:p>
+        </p:txBody>
+      </p:sp>
+      <p:sp>
+        <p:nvSpPr>
+          <p:cNvPr id="7" name="TextBox 6">
+            <a:extLst>
+              <a:ext uri="{FF2B5EF4-FFF2-40B4-BE49-F238E27FC236}">
+                <a16:creationId xmlns:a16="http://schemas.microsoft.com/office/drawing/2014/main" id="{0F668C84-7A0B-4659-98CE-41B6DCC71FF0}"/>
+              </a:ext>
+            </a:extLst>
+          </p:cNvPr>
+          <p:cNvSpPr txBox="1"/>
+          <p:nvPr/>
+        </p:nvSpPr>
+        <p:spPr>
+          <a:xfrm>
+            <a:off x="140676" y="866828"/>
+            <a:ext cx="6119446" cy="1162882"/>
+          </a:xfrm>
+          <a:prstGeom prst="rect">
+            <a:avLst/>
+          </a:prstGeom>
+          <a:noFill/>
+        </p:spPr>
+        <p:txBody>
+          <a:bodyPr wrap="square">
+            <a:spAutoFit/>
+          </a:bodyPr>
+          <a:lstStyle/>
+          <a:p>
+            <a:pPr marL="342900" lvl="0" indent="-342900" algn="just" latinLnBrk="1">
+              <a:lnSpc>
+                <a:spcPct val="107000"/>
+              </a:lnSpc>
+              <a:spcAft>
+                <a:spcPts val="800"/>
+              </a:spcAft>
+              <a:buFont typeface="Wingdings" panose="05000000000000000000" pitchFamily="2" charset="2"/>
+              <a:buChar char=""/>
+            </a:pPr>
+            <a:r>
+              <a:rPr lang="ko-KR" altLang="ko-KR" sz="1800" kern="100" dirty="0">
+                <a:effectLst/>
+                <a:latin typeface="맑은 고딕" panose="020B0503020000020004" pitchFamily="34" charset="-127"/>
+                <a:ea typeface="맑은 고딕" panose="020B0503020000020004" pitchFamily="34" charset="-127"/>
+                <a:cs typeface="Times New Roman" panose="02020603050405020304" pitchFamily="18" charset="0"/>
+              </a:rPr>
+              <a:t>클래스 테이블 추가</a:t>
+            </a:r>
+          </a:p>
+          <a:p>
+            <a:pPr marL="342900" lvl="0" indent="-342900" algn="just" latinLnBrk="1">
+              <a:lnSpc>
+                <a:spcPct val="107000"/>
+              </a:lnSpc>
+              <a:spcAft>
+                <a:spcPts val="800"/>
+              </a:spcAft>
+              <a:buFont typeface="맑은 고딕" panose="020B0503020000020004" pitchFamily="34" charset="-127"/>
+              <a:buChar char="-"/>
+            </a:pPr>
+            <a:r>
+              <a:rPr lang="ko-KR" altLang="ko-KR" sz="1800" kern="100" dirty="0">
+                <a:effectLst/>
+                <a:latin typeface="맑은 고딕" panose="020B0503020000020004" pitchFamily="34" charset="-127"/>
+                <a:ea typeface="맑은 고딕" panose="020B0503020000020004" pitchFamily="34" charset="-127"/>
+                <a:cs typeface="Times New Roman" panose="02020603050405020304" pitchFamily="18" charset="0"/>
+              </a:rPr>
+              <a:t>기본 </a:t>
+            </a:r>
+            <a:r>
+              <a:rPr lang="ko-KR" altLang="ko-KR" sz="1800" kern="100" dirty="0" err="1">
+                <a:effectLst/>
+                <a:latin typeface="맑은 고딕" panose="020B0503020000020004" pitchFamily="34" charset="-127"/>
+                <a:ea typeface="맑은 고딕" panose="020B0503020000020004" pitchFamily="34" charset="-127"/>
+                <a:cs typeface="Times New Roman" panose="02020603050405020304" pitchFamily="18" charset="0"/>
+              </a:rPr>
+              <a:t>스텟</a:t>
+            </a:r>
+            <a:r>
+              <a:rPr lang="ko-KR" altLang="ko-KR" sz="1800" kern="100" dirty="0">
+                <a:effectLst/>
+                <a:latin typeface="맑은 고딕" panose="020B0503020000020004" pitchFamily="34" charset="-127"/>
+                <a:ea typeface="맑은 고딕" panose="020B0503020000020004" pitchFamily="34" charset="-127"/>
+                <a:cs typeface="Times New Roman" panose="02020603050405020304" pitchFamily="18" charset="0"/>
+              </a:rPr>
+              <a:t> 제어</a:t>
+            </a:r>
+          </a:p>
+          <a:p>
+            <a:pPr marL="342900" lvl="0" indent="-342900" algn="just" latinLnBrk="1">
+              <a:lnSpc>
+                <a:spcPct val="107000"/>
+              </a:lnSpc>
+              <a:spcAft>
+                <a:spcPts val="800"/>
+              </a:spcAft>
+              <a:buFont typeface="맑은 고딕" panose="020B0503020000020004" pitchFamily="34" charset="-127"/>
+              <a:buChar char="-"/>
+            </a:pPr>
+            <a:r>
+              <a:rPr lang="ko-KR" altLang="ko-KR" sz="1800" kern="100" dirty="0">
+                <a:effectLst/>
+                <a:latin typeface="맑은 고딕" panose="020B0503020000020004" pitchFamily="34" charset="-127"/>
+                <a:ea typeface="맑은 고딕" panose="020B0503020000020004" pitchFamily="34" charset="-127"/>
+                <a:cs typeface="Times New Roman" panose="02020603050405020304" pitchFamily="18" charset="0"/>
+              </a:rPr>
+              <a:t>모험가 랭크 별 획득 가능한 스킬 설정</a:t>
+            </a:r>
+          </a:p>
+        </p:txBody>
+      </p:sp>
+      <p:sp>
+        <p:nvSpPr>
+          <p:cNvPr id="9" name="TextBox 8">
+            <a:extLst>
+              <a:ext uri="{FF2B5EF4-FFF2-40B4-BE49-F238E27FC236}">
+                <a16:creationId xmlns:a16="http://schemas.microsoft.com/office/drawing/2014/main" id="{F4672E9C-2591-4222-BA4A-42716205179D}"/>
+              </a:ext>
+            </a:extLst>
+          </p:cNvPr>
+          <p:cNvSpPr txBox="1"/>
+          <p:nvPr/>
+        </p:nvSpPr>
+        <p:spPr>
+          <a:xfrm>
+            <a:off x="140675" y="2132302"/>
+            <a:ext cx="8853855" cy="364972"/>
+          </a:xfrm>
+          <a:prstGeom prst="rect">
+            <a:avLst/>
+          </a:prstGeom>
+          <a:noFill/>
+        </p:spPr>
+        <p:txBody>
+          <a:bodyPr wrap="square">
+            <a:spAutoFit/>
+          </a:bodyPr>
+          <a:lstStyle/>
+          <a:p>
+            <a:pPr marL="342900" lvl="0" indent="-342900" algn="just" latinLnBrk="1">
+              <a:lnSpc>
+                <a:spcPct val="107000"/>
+              </a:lnSpc>
+              <a:spcAft>
+                <a:spcPts val="800"/>
+              </a:spcAft>
+              <a:buFont typeface="Wingdings" panose="05000000000000000000" pitchFamily="2" charset="2"/>
+              <a:buChar char=""/>
+            </a:pPr>
+            <a:r>
+              <a:rPr lang="ko-KR" altLang="ko-KR" sz="1800" kern="100" dirty="0" err="1">
+                <a:effectLst/>
+                <a:latin typeface="맑은 고딕" panose="020B0503020000020004" pitchFamily="34" charset="-127"/>
+                <a:ea typeface="맑은 고딕" panose="020B0503020000020004" pitchFamily="34" charset="-127"/>
+                <a:cs typeface="Times New Roman" panose="02020603050405020304" pitchFamily="18" charset="0"/>
+              </a:rPr>
+              <a:t>디버프</a:t>
+            </a:r>
+            <a:r>
+              <a:rPr lang="ko-KR" altLang="ko-KR" sz="1800" kern="100" dirty="0">
+                <a:effectLst/>
+                <a:latin typeface="맑은 고딕" panose="020B0503020000020004" pitchFamily="34" charset="-127"/>
+                <a:ea typeface="맑은 고딕" panose="020B0503020000020004" pitchFamily="34" charset="-127"/>
+                <a:cs typeface="Times New Roman" panose="02020603050405020304" pitchFamily="18" charset="0"/>
+              </a:rPr>
+              <a:t> 아이콘 그래픽 발주 문서에 추가 및 시스템 기획서 문서에 내용 추가</a:t>
+            </a:r>
+            <a:endParaRPr lang="en-US" altLang="ko-KR" sz="1800" kern="100" dirty="0">
+              <a:effectLst/>
+              <a:latin typeface="맑은 고딕" panose="020B0503020000020004" pitchFamily="34" charset="-127"/>
+              <a:ea typeface="맑은 고딕" panose="020B0503020000020004" pitchFamily="34" charset="-127"/>
+              <a:cs typeface="Times New Roman" panose="02020603050405020304" pitchFamily="18" charset="0"/>
+            </a:endParaRPr>
+          </a:p>
+        </p:txBody>
+      </p:sp>
+      <p:sp>
+        <p:nvSpPr>
+          <p:cNvPr id="11" name="TextBox 10">
+            <a:extLst>
+              <a:ext uri="{FF2B5EF4-FFF2-40B4-BE49-F238E27FC236}">
+                <a16:creationId xmlns:a16="http://schemas.microsoft.com/office/drawing/2014/main" id="{F3218BD0-0F1F-4FC6-B04B-03119BF6BC11}"/>
+              </a:ext>
+            </a:extLst>
+          </p:cNvPr>
+          <p:cNvSpPr txBox="1"/>
+          <p:nvPr/>
+        </p:nvSpPr>
+        <p:spPr>
+          <a:xfrm>
+            <a:off x="140675" y="2633849"/>
+            <a:ext cx="8396656" cy="364972"/>
+          </a:xfrm>
+          <a:prstGeom prst="rect">
+            <a:avLst/>
+          </a:prstGeom>
+          <a:noFill/>
+        </p:spPr>
+        <p:txBody>
+          <a:bodyPr wrap="square">
+            <a:spAutoFit/>
+          </a:bodyPr>
+          <a:lstStyle/>
+          <a:p>
+            <a:pPr marL="342900" lvl="0" indent="-342900" algn="just" latinLnBrk="1">
+              <a:lnSpc>
+                <a:spcPct val="107000"/>
+              </a:lnSpc>
+              <a:spcAft>
+                <a:spcPts val="800"/>
+              </a:spcAft>
+              <a:buFont typeface="Wingdings" panose="05000000000000000000" pitchFamily="2" charset="2"/>
+              <a:buChar char=""/>
+            </a:pPr>
+            <a:r>
+              <a:rPr lang="ko-KR" altLang="ko-KR" sz="1800" kern="100" dirty="0">
+                <a:effectLst/>
+                <a:latin typeface="맑은 고딕" panose="020B0503020000020004" pitchFamily="34" charset="-127"/>
+                <a:ea typeface="맑은 고딕" panose="020B0503020000020004" pitchFamily="34" charset="-127"/>
+                <a:cs typeface="Times New Roman" panose="02020603050405020304" pitchFamily="18" charset="0"/>
+              </a:rPr>
+              <a:t>층에 따라 </a:t>
+            </a:r>
+            <a:r>
+              <a:rPr lang="ko-KR" altLang="ko-KR" sz="1800" kern="100" dirty="0" err="1">
+                <a:effectLst/>
+                <a:latin typeface="맑은 고딕" panose="020B0503020000020004" pitchFamily="34" charset="-127"/>
+                <a:ea typeface="맑은 고딕" panose="020B0503020000020004" pitchFamily="34" charset="-127"/>
+                <a:cs typeface="Times New Roman" panose="02020603050405020304" pitchFamily="18" charset="0"/>
+              </a:rPr>
+              <a:t>드롭율이</a:t>
+            </a:r>
+            <a:r>
+              <a:rPr lang="ko-KR" altLang="ko-KR" sz="1800" kern="100" dirty="0">
+                <a:effectLst/>
+                <a:latin typeface="맑은 고딕" panose="020B0503020000020004" pitchFamily="34" charset="-127"/>
+                <a:ea typeface="맑은 고딕" panose="020B0503020000020004" pitchFamily="34" charset="-127"/>
+                <a:cs typeface="Times New Roman" panose="02020603050405020304" pitchFamily="18" charset="0"/>
+              </a:rPr>
+              <a:t> 달라지는 부분 시스템 기획서에 추가 및 테이블에 반영</a:t>
+            </a:r>
+          </a:p>
+        </p:txBody>
+      </p:sp>
+      <p:sp>
+        <p:nvSpPr>
+          <p:cNvPr id="13" name="TextBox 12">
+            <a:extLst>
+              <a:ext uri="{FF2B5EF4-FFF2-40B4-BE49-F238E27FC236}">
+                <a16:creationId xmlns:a16="http://schemas.microsoft.com/office/drawing/2014/main" id="{22010489-5DBE-4143-8BE9-4840EE24DD5D}"/>
+              </a:ext>
+            </a:extLst>
+          </p:cNvPr>
+          <p:cNvSpPr txBox="1"/>
+          <p:nvPr/>
+        </p:nvSpPr>
+        <p:spPr>
+          <a:xfrm>
+            <a:off x="140674" y="3135396"/>
+            <a:ext cx="8651633" cy="1162882"/>
+          </a:xfrm>
+          <a:prstGeom prst="rect">
+            <a:avLst/>
+          </a:prstGeom>
+          <a:noFill/>
+        </p:spPr>
+        <p:txBody>
+          <a:bodyPr wrap="square">
+            <a:spAutoFit/>
+          </a:bodyPr>
+          <a:lstStyle/>
+          <a:p>
+            <a:pPr marL="342900" lvl="0" indent="-342900" algn="just" latinLnBrk="1">
+              <a:lnSpc>
+                <a:spcPct val="107000"/>
+              </a:lnSpc>
+              <a:spcAft>
+                <a:spcPts val="800"/>
+              </a:spcAft>
+              <a:buFont typeface="Wingdings" panose="05000000000000000000" pitchFamily="2" charset="2"/>
+              <a:buChar char=""/>
+            </a:pPr>
+            <a:r>
+              <a:rPr lang="ko-KR" altLang="ko-KR" sz="1800" kern="100" dirty="0">
+                <a:effectLst/>
+                <a:latin typeface="맑은 고딕" panose="020B0503020000020004" pitchFamily="34" charset="-127"/>
+                <a:ea typeface="맑은 고딕" panose="020B0503020000020004" pitchFamily="34" charset="-127"/>
+                <a:cs typeface="Times New Roman" panose="02020603050405020304" pitchFamily="18" charset="0"/>
+              </a:rPr>
+              <a:t>전투 조합 관련 테이블 추가</a:t>
+            </a:r>
+            <a:r>
+              <a:rPr lang="en-US" altLang="ko-KR" sz="1800" kern="100" dirty="0">
+                <a:effectLst/>
+                <a:latin typeface="맑은 고딕" panose="020B0503020000020004" pitchFamily="34" charset="-127"/>
+                <a:ea typeface="맑은 고딕" panose="020B0503020000020004" pitchFamily="34" charset="-127"/>
+                <a:cs typeface="Times New Roman" panose="02020603050405020304" pitchFamily="18" charset="0"/>
+              </a:rPr>
+              <a:t>(Combat)</a:t>
+            </a:r>
+            <a:endParaRPr lang="ko-KR" altLang="ko-KR" sz="1800" kern="100" dirty="0">
+              <a:effectLst/>
+              <a:latin typeface="맑은 고딕" panose="020B0503020000020004" pitchFamily="34" charset="-127"/>
+              <a:ea typeface="맑은 고딕" panose="020B0503020000020004" pitchFamily="34" charset="-127"/>
+              <a:cs typeface="Times New Roman" panose="02020603050405020304" pitchFamily="18" charset="0"/>
+            </a:endParaRPr>
+          </a:p>
+          <a:p>
+            <a:pPr marL="342900" lvl="0" indent="-342900" algn="just" latinLnBrk="1">
+              <a:lnSpc>
+                <a:spcPct val="107000"/>
+              </a:lnSpc>
+              <a:spcAft>
+                <a:spcPts val="800"/>
+              </a:spcAft>
+              <a:buFont typeface="맑은 고딕" panose="020B0503020000020004" pitchFamily="34" charset="-127"/>
+              <a:buChar char="-"/>
+            </a:pPr>
+            <a:r>
+              <a:rPr lang="en-US" altLang="ko-KR" sz="1800" kern="100" dirty="0">
+                <a:effectLst/>
+                <a:latin typeface="맑은 고딕" panose="020B0503020000020004" pitchFamily="34" charset="-127"/>
+                <a:ea typeface="맑은 고딕" panose="020B0503020000020004" pitchFamily="34" charset="-127"/>
+                <a:cs typeface="Times New Roman" panose="02020603050405020304" pitchFamily="18" charset="0"/>
+              </a:rPr>
+              <a:t>Enemy </a:t>
+            </a:r>
+            <a:r>
+              <a:rPr lang="ko-KR" altLang="ko-KR" sz="1800" kern="100" dirty="0">
+                <a:effectLst/>
+                <a:latin typeface="맑은 고딕" panose="020B0503020000020004" pitchFamily="34" charset="-127"/>
+                <a:ea typeface="맑은 고딕" panose="020B0503020000020004" pitchFamily="34" charset="-127"/>
+                <a:cs typeface="Times New Roman" panose="02020603050405020304" pitchFamily="18" charset="0"/>
+              </a:rPr>
+              <a:t>테이블에서 적을 불러와서 나올 수 있는 적의 조합을 제어하는 테이블</a:t>
+            </a:r>
+          </a:p>
+          <a:p>
+            <a:pPr marL="342900" lvl="0" indent="-342900" algn="just" latinLnBrk="1">
+              <a:lnSpc>
+                <a:spcPct val="107000"/>
+              </a:lnSpc>
+              <a:spcAft>
+                <a:spcPts val="800"/>
+              </a:spcAft>
+              <a:buFont typeface="맑은 고딕" panose="020B0503020000020004" pitchFamily="34" charset="-127"/>
+              <a:buChar char="-"/>
+            </a:pPr>
+            <a:r>
+              <a:rPr lang="ko-KR" altLang="ko-KR" sz="1800" kern="100" dirty="0" err="1">
+                <a:effectLst/>
+                <a:latin typeface="맑은 고딕" panose="020B0503020000020004" pitchFamily="34" charset="-127"/>
+                <a:ea typeface="맑은 고딕" panose="020B0503020000020004" pitchFamily="34" charset="-127"/>
+                <a:cs typeface="Times New Roman" panose="02020603050405020304" pitchFamily="18" charset="0"/>
+              </a:rPr>
+              <a:t>드랍율</a:t>
+            </a:r>
+            <a:r>
+              <a:rPr lang="ko-KR" altLang="ko-KR" sz="1800" kern="100" dirty="0">
+                <a:effectLst/>
+                <a:latin typeface="맑은 고딕" panose="020B0503020000020004" pitchFamily="34" charset="-127"/>
+                <a:ea typeface="맑은 고딕" panose="020B0503020000020004" pitchFamily="34" charset="-127"/>
+                <a:cs typeface="Times New Roman" panose="02020603050405020304" pitchFamily="18" charset="0"/>
+              </a:rPr>
+              <a:t> 및 </a:t>
+            </a:r>
+            <a:r>
+              <a:rPr lang="ko-KR" altLang="ko-KR" sz="1800" kern="100" dirty="0" err="1">
+                <a:effectLst/>
+                <a:latin typeface="맑은 고딕" panose="020B0503020000020004" pitchFamily="34" charset="-127"/>
+                <a:ea typeface="맑은 고딕" panose="020B0503020000020004" pitchFamily="34" charset="-127"/>
+                <a:cs typeface="Times New Roman" panose="02020603050405020304" pitchFamily="18" charset="0"/>
+              </a:rPr>
+              <a:t>스탯을</a:t>
+            </a:r>
+            <a:r>
+              <a:rPr lang="ko-KR" altLang="ko-KR" sz="1800" kern="100" dirty="0">
+                <a:effectLst/>
+                <a:latin typeface="맑은 고딕" panose="020B0503020000020004" pitchFamily="34" charset="-127"/>
+                <a:ea typeface="맑은 고딕" panose="020B0503020000020004" pitchFamily="34" charset="-127"/>
+                <a:cs typeface="Times New Roman" panose="02020603050405020304" pitchFamily="18" charset="0"/>
+              </a:rPr>
+              <a:t> 제어</a:t>
+            </a:r>
+          </a:p>
+        </p:txBody>
+      </p:sp>
+      <p:sp>
+        <p:nvSpPr>
+          <p:cNvPr id="15" name="TextBox 14">
+            <a:extLst>
+              <a:ext uri="{FF2B5EF4-FFF2-40B4-BE49-F238E27FC236}">
+                <a16:creationId xmlns:a16="http://schemas.microsoft.com/office/drawing/2014/main" id="{84BF6586-DD83-40CE-8B11-D2AAD69F4F22}"/>
+              </a:ext>
+            </a:extLst>
+          </p:cNvPr>
+          <p:cNvSpPr txBox="1"/>
+          <p:nvPr/>
+        </p:nvSpPr>
+        <p:spPr>
+          <a:xfrm>
+            <a:off x="140676" y="4389925"/>
+            <a:ext cx="6119446" cy="364972"/>
+          </a:xfrm>
+          <a:prstGeom prst="rect">
+            <a:avLst/>
+          </a:prstGeom>
+          <a:noFill/>
+        </p:spPr>
+        <p:txBody>
+          <a:bodyPr wrap="square">
+            <a:spAutoFit/>
+          </a:bodyPr>
+          <a:lstStyle/>
+          <a:p>
+            <a:pPr marL="342900" lvl="0" indent="-342900" algn="just" latinLnBrk="1">
+              <a:lnSpc>
+                <a:spcPct val="107000"/>
+              </a:lnSpc>
+              <a:spcAft>
+                <a:spcPts val="800"/>
+              </a:spcAft>
+              <a:buFont typeface="Wingdings" panose="05000000000000000000" pitchFamily="2" charset="2"/>
+              <a:buChar char=""/>
+            </a:pPr>
+            <a:r>
+              <a:rPr lang="ko-KR" altLang="ko-KR" sz="1800" kern="100" dirty="0">
+                <a:effectLst/>
+                <a:latin typeface="맑은 고딕" panose="020B0503020000020004" pitchFamily="34" charset="-127"/>
+                <a:ea typeface="맑은 고딕" panose="020B0503020000020004" pitchFamily="34" charset="-127"/>
+                <a:cs typeface="Times New Roman" panose="02020603050405020304" pitchFamily="18" charset="0"/>
+              </a:rPr>
+              <a:t>이벤트 관련 테이블 추가</a:t>
+            </a:r>
+            <a:r>
+              <a:rPr lang="en-US" altLang="ko-KR" sz="1800" kern="100" dirty="0">
+                <a:effectLst/>
+                <a:latin typeface="맑은 고딕" panose="020B0503020000020004" pitchFamily="34" charset="-127"/>
+                <a:ea typeface="맑은 고딕" panose="020B0503020000020004" pitchFamily="34" charset="-127"/>
+                <a:cs typeface="Times New Roman" panose="02020603050405020304" pitchFamily="18" charset="0"/>
+              </a:rPr>
+              <a:t>(Event)</a:t>
+            </a:r>
+            <a:endParaRPr lang="ko-KR" altLang="ko-KR" sz="1800" kern="100" dirty="0">
+              <a:effectLst/>
+              <a:latin typeface="맑은 고딕" panose="020B0503020000020004" pitchFamily="34" charset="-127"/>
+              <a:ea typeface="맑은 고딕" panose="020B0503020000020004" pitchFamily="34" charset="-127"/>
+              <a:cs typeface="Times New Roman" panose="02020603050405020304" pitchFamily="18" charset="0"/>
+            </a:endParaRPr>
+          </a:p>
+        </p:txBody>
+      </p:sp>
+      <p:sp>
+        <p:nvSpPr>
+          <p:cNvPr id="17" name="TextBox 16">
+            <a:extLst>
+              <a:ext uri="{FF2B5EF4-FFF2-40B4-BE49-F238E27FC236}">
+                <a16:creationId xmlns:a16="http://schemas.microsoft.com/office/drawing/2014/main" id="{23B5304C-5EB8-493F-B93B-F1D011B03FDB}"/>
+              </a:ext>
+            </a:extLst>
+          </p:cNvPr>
+          <p:cNvSpPr txBox="1"/>
+          <p:nvPr/>
+        </p:nvSpPr>
+        <p:spPr>
+          <a:xfrm>
+            <a:off x="140674" y="4846544"/>
+            <a:ext cx="6119446" cy="364972"/>
+          </a:xfrm>
+          <a:prstGeom prst="rect">
+            <a:avLst/>
+          </a:prstGeom>
+          <a:noFill/>
+        </p:spPr>
+        <p:txBody>
+          <a:bodyPr wrap="square">
+            <a:spAutoFit/>
+          </a:bodyPr>
+          <a:lstStyle/>
+          <a:p>
+            <a:pPr marL="342900" lvl="0" indent="-342900" algn="just" latinLnBrk="1">
+              <a:lnSpc>
+                <a:spcPct val="107000"/>
+              </a:lnSpc>
+              <a:spcAft>
+                <a:spcPts val="800"/>
+              </a:spcAft>
+              <a:buFont typeface="Wingdings" panose="05000000000000000000" pitchFamily="2" charset="2"/>
+              <a:buChar char=""/>
+            </a:pPr>
+            <a:r>
+              <a:rPr lang="ko-KR" altLang="ko-KR" sz="1800" kern="100" dirty="0">
+                <a:effectLst/>
+                <a:latin typeface="맑은 고딕" panose="020B0503020000020004" pitchFamily="34" charset="-127"/>
+                <a:ea typeface="맑은 고딕" panose="020B0503020000020004" pitchFamily="34" charset="-127"/>
+                <a:cs typeface="Times New Roman" panose="02020603050405020304" pitchFamily="18" charset="0"/>
+              </a:rPr>
+              <a:t>스킬 데이터 입력</a:t>
+            </a:r>
+          </a:p>
+        </p:txBody>
+      </p:sp>
+      <p:sp>
+        <p:nvSpPr>
+          <p:cNvPr id="19" name="TextBox 18">
+            <a:extLst>
+              <a:ext uri="{FF2B5EF4-FFF2-40B4-BE49-F238E27FC236}">
+                <a16:creationId xmlns:a16="http://schemas.microsoft.com/office/drawing/2014/main" id="{2472D2CD-D616-4513-ACE9-96BA27B9BE2C}"/>
+              </a:ext>
+            </a:extLst>
+          </p:cNvPr>
+          <p:cNvSpPr txBox="1"/>
+          <p:nvPr/>
+        </p:nvSpPr>
+        <p:spPr>
+          <a:xfrm>
+            <a:off x="140674" y="5213992"/>
+            <a:ext cx="7227280" cy="763927"/>
+          </a:xfrm>
+          <a:prstGeom prst="rect">
+            <a:avLst/>
+          </a:prstGeom>
+          <a:noFill/>
+        </p:spPr>
+        <p:txBody>
+          <a:bodyPr wrap="square">
+            <a:spAutoFit/>
+          </a:bodyPr>
+          <a:lstStyle/>
+          <a:p>
+            <a:pPr marL="342900" lvl="0" indent="-342900" algn="just" latinLnBrk="1">
+              <a:lnSpc>
+                <a:spcPct val="107000"/>
+              </a:lnSpc>
+              <a:spcAft>
+                <a:spcPts val="800"/>
+              </a:spcAft>
+              <a:buFont typeface="Wingdings" panose="05000000000000000000" pitchFamily="2" charset="2"/>
+              <a:buChar char=""/>
+            </a:pPr>
+            <a:r>
+              <a:rPr lang="ko-KR" altLang="ko-KR" sz="1800" kern="100" dirty="0">
+                <a:effectLst/>
+                <a:latin typeface="맑은 고딕" panose="020B0503020000020004" pitchFamily="34" charset="-127"/>
+                <a:ea typeface="맑은 고딕" panose="020B0503020000020004" pitchFamily="34" charset="-127"/>
+                <a:cs typeface="Times New Roman" panose="02020603050405020304" pitchFamily="18" charset="0"/>
+              </a:rPr>
+              <a:t>캐릭터 랭크 관련 데이터 추가</a:t>
+            </a:r>
+            <a:r>
+              <a:rPr lang="en-US" altLang="ko-KR" sz="1800" kern="100" dirty="0">
+                <a:effectLst/>
+                <a:latin typeface="맑은 고딕" panose="020B0503020000020004" pitchFamily="34" charset="-127"/>
+                <a:ea typeface="맑은 고딕" panose="020B0503020000020004" pitchFamily="34" charset="-127"/>
+                <a:cs typeface="Times New Roman" panose="02020603050405020304" pitchFamily="18" charset="0"/>
+              </a:rPr>
+              <a:t>(level</a:t>
+            </a:r>
+            <a:r>
+              <a:rPr lang="ko-KR" altLang="ko-KR" sz="1800" kern="100" dirty="0">
+                <a:effectLst/>
+                <a:latin typeface="맑은 고딕" panose="020B0503020000020004" pitchFamily="34" charset="-127"/>
+                <a:ea typeface="맑은 고딕" panose="020B0503020000020004" pitchFamily="34" charset="-127"/>
+                <a:cs typeface="Times New Roman" panose="02020603050405020304" pitchFamily="18" charset="0"/>
+              </a:rPr>
+              <a:t>테이블</a:t>
+            </a:r>
+            <a:r>
+              <a:rPr lang="en-US" altLang="ko-KR" sz="1800" kern="100" dirty="0">
+                <a:effectLst/>
+                <a:latin typeface="맑은 고딕" panose="020B0503020000020004" pitchFamily="34" charset="-127"/>
+                <a:ea typeface="맑은 고딕" panose="020B0503020000020004" pitchFamily="34" charset="-127"/>
+                <a:cs typeface="Times New Roman" panose="02020603050405020304" pitchFamily="18" charset="0"/>
+              </a:rPr>
+              <a:t>)</a:t>
+            </a:r>
+            <a:endParaRPr lang="ko-KR" altLang="ko-KR" sz="1800" kern="100" dirty="0">
+              <a:effectLst/>
+              <a:latin typeface="맑은 고딕" panose="020B0503020000020004" pitchFamily="34" charset="-127"/>
+              <a:ea typeface="맑은 고딕" panose="020B0503020000020004" pitchFamily="34" charset="-127"/>
+              <a:cs typeface="Times New Roman" panose="02020603050405020304" pitchFamily="18" charset="0"/>
+            </a:endParaRPr>
+          </a:p>
+          <a:p>
+            <a:pPr marL="342900" lvl="0" indent="-342900" algn="just" latinLnBrk="1">
+              <a:lnSpc>
+                <a:spcPct val="107000"/>
+              </a:lnSpc>
+              <a:spcAft>
+                <a:spcPts val="800"/>
+              </a:spcAft>
+              <a:buFont typeface="맑은 고딕" panose="020B0503020000020004" pitchFamily="34" charset="-127"/>
+              <a:buChar char="-"/>
+            </a:pPr>
+            <a:r>
+              <a:rPr lang="ko-KR" altLang="ko-KR" sz="1800" kern="100" dirty="0">
+                <a:effectLst/>
+                <a:latin typeface="맑은 고딕" panose="020B0503020000020004" pitchFamily="34" charset="-127"/>
+                <a:ea typeface="맑은 고딕" panose="020B0503020000020004" pitchFamily="34" charset="-127"/>
+                <a:cs typeface="Times New Roman" panose="02020603050405020304" pitchFamily="18" charset="0"/>
+              </a:rPr>
+              <a:t>캐릭터 레벨에 따른 업그레이드 금액과 필요한 모험가 랭크 제어</a:t>
+            </a:r>
+          </a:p>
+        </p:txBody>
+      </p:sp>
+    </p:spTree>
+    <p:extLst>
+      <p:ext uri="{BB962C8B-B14F-4D97-AF65-F5344CB8AC3E}">
+        <p14:creationId xmlns:p14="http://schemas.microsoft.com/office/powerpoint/2010/main" val="1961779724"/>
+      </p:ext>
+    </p:extLst>
+  </p:cSld>
+  <p:clrMapOvr>
+    <a:masterClrMapping/>
+  </p:clrMapOvr>
+</p:sld>
+</file>
+
+<file path=ppt/slides/slide6.xml><?xml version="1.0" encoding="utf-8"?>
+<p:sld xmlns:a="http://schemas.openxmlformats.org/drawingml/2006/main" xmlns:r="http://schemas.openxmlformats.org/officeDocument/2006/relationships" xmlns:p="http://schemas.openxmlformats.org/presentationml/2006/main">
+  <p:cSld>
+    <p:spTree>
+      <p:nvGrpSpPr>
+        <p:cNvPr id="1" name=""/>
+        <p:cNvGrpSpPr/>
+        <p:nvPr/>
+      </p:nvGrpSpPr>
+      <p:grpSpPr>
+        <a:xfrm>
+          <a:off x="0" y="0"/>
+          <a:ext cx="0" cy="0"/>
+          <a:chOff x="0" y="0"/>
+          <a:chExt cx="0" cy="0"/>
+        </a:xfrm>
+      </p:grpSpPr>
+      <p:sp>
+        <p:nvSpPr>
+          <p:cNvPr id="5" name="TextBox 4">
+            <a:extLst>
+              <a:ext uri="{FF2B5EF4-FFF2-40B4-BE49-F238E27FC236}">
+                <a16:creationId xmlns:a16="http://schemas.microsoft.com/office/drawing/2014/main" id="{05E98D24-1DC4-4D68-84E3-3FD917897B2F}"/>
+              </a:ext>
+            </a:extLst>
+          </p:cNvPr>
+          <p:cNvSpPr txBox="1"/>
+          <p:nvPr/>
+        </p:nvSpPr>
+        <p:spPr>
+          <a:xfrm>
+            <a:off x="85725" y="85316"/>
+            <a:ext cx="7466867" cy="763927"/>
+          </a:xfrm>
+          <a:prstGeom prst="rect">
+            <a:avLst/>
+          </a:prstGeom>
+          <a:noFill/>
+        </p:spPr>
+        <p:txBody>
+          <a:bodyPr wrap="square">
+            <a:spAutoFit/>
+          </a:bodyPr>
+          <a:lstStyle/>
+          <a:p>
+            <a:pPr marL="342900" lvl="0" indent="-342900" algn="just" latinLnBrk="1">
+              <a:lnSpc>
+                <a:spcPct val="107000"/>
+              </a:lnSpc>
+              <a:spcAft>
+                <a:spcPts val="800"/>
+              </a:spcAft>
+              <a:buFont typeface="Wingdings" panose="05000000000000000000" pitchFamily="2" charset="2"/>
+              <a:buChar char=""/>
+            </a:pPr>
+            <a:r>
+              <a:rPr lang="ko-KR" altLang="ko-KR" sz="1800" kern="100" dirty="0">
+                <a:effectLst/>
+                <a:latin typeface="맑은 고딕" panose="020B0503020000020004" pitchFamily="34" charset="-127"/>
+                <a:ea typeface="맑은 고딕" panose="020B0503020000020004" pitchFamily="34" charset="-127"/>
+                <a:cs typeface="Times New Roman" panose="02020603050405020304" pitchFamily="18" charset="0"/>
+              </a:rPr>
+              <a:t>스킬 랭크 데이터 추가</a:t>
+            </a:r>
+            <a:r>
+              <a:rPr lang="en-US" altLang="ko-KR" sz="1800" kern="100" dirty="0">
+                <a:effectLst/>
+                <a:latin typeface="맑은 고딕" panose="020B0503020000020004" pitchFamily="34" charset="-127"/>
+                <a:ea typeface="맑은 고딕" panose="020B0503020000020004" pitchFamily="34" charset="-127"/>
+                <a:cs typeface="Times New Roman" panose="02020603050405020304" pitchFamily="18" charset="0"/>
+              </a:rPr>
+              <a:t>(</a:t>
+            </a:r>
+            <a:r>
+              <a:rPr lang="en-US" altLang="ko-KR" sz="1800" kern="100" dirty="0" err="1">
+                <a:effectLst/>
+                <a:latin typeface="맑은 고딕" panose="020B0503020000020004" pitchFamily="34" charset="-127"/>
+                <a:ea typeface="맑은 고딕" panose="020B0503020000020004" pitchFamily="34" charset="-127"/>
+                <a:cs typeface="Times New Roman" panose="02020603050405020304" pitchFamily="18" charset="0"/>
+              </a:rPr>
+              <a:t>Skilllevel</a:t>
+            </a:r>
+            <a:r>
+              <a:rPr lang="en-US" altLang="ko-KR" sz="1800" kern="100" dirty="0">
+                <a:effectLst/>
+                <a:latin typeface="맑은 고딕" panose="020B0503020000020004" pitchFamily="34" charset="-127"/>
+                <a:ea typeface="맑은 고딕" panose="020B0503020000020004" pitchFamily="34" charset="-127"/>
+                <a:cs typeface="Times New Roman" panose="02020603050405020304" pitchFamily="18" charset="0"/>
+              </a:rPr>
+              <a:t> </a:t>
+            </a:r>
+            <a:r>
+              <a:rPr lang="ko-KR" altLang="ko-KR" sz="1800" kern="100" dirty="0">
+                <a:effectLst/>
+                <a:latin typeface="맑은 고딕" panose="020B0503020000020004" pitchFamily="34" charset="-127"/>
+                <a:ea typeface="맑은 고딕" panose="020B0503020000020004" pitchFamily="34" charset="-127"/>
+                <a:cs typeface="Times New Roman" panose="02020603050405020304" pitchFamily="18" charset="0"/>
+              </a:rPr>
+              <a:t>테이블</a:t>
+            </a:r>
+            <a:r>
+              <a:rPr lang="en-US" altLang="ko-KR" sz="1800" kern="100" dirty="0">
+                <a:effectLst/>
+                <a:latin typeface="맑은 고딕" panose="020B0503020000020004" pitchFamily="34" charset="-127"/>
+                <a:ea typeface="맑은 고딕" panose="020B0503020000020004" pitchFamily="34" charset="-127"/>
+                <a:cs typeface="Times New Roman" panose="02020603050405020304" pitchFamily="18" charset="0"/>
+              </a:rPr>
+              <a:t>)</a:t>
+            </a:r>
+            <a:endParaRPr lang="ko-KR" altLang="ko-KR" sz="1800" kern="100" dirty="0">
+              <a:effectLst/>
+              <a:latin typeface="맑은 고딕" panose="020B0503020000020004" pitchFamily="34" charset="-127"/>
+              <a:ea typeface="맑은 고딕" panose="020B0503020000020004" pitchFamily="34" charset="-127"/>
+              <a:cs typeface="Times New Roman" panose="02020603050405020304" pitchFamily="18" charset="0"/>
+            </a:endParaRPr>
+          </a:p>
+          <a:p>
+            <a:pPr marL="342900" lvl="0" indent="-342900" algn="just" latinLnBrk="1">
+              <a:lnSpc>
+                <a:spcPct val="107000"/>
+              </a:lnSpc>
+              <a:spcAft>
+                <a:spcPts val="800"/>
+              </a:spcAft>
+              <a:buFont typeface="맑은 고딕" panose="020B0503020000020004" pitchFamily="34" charset="-127"/>
+              <a:buChar char="-"/>
+            </a:pPr>
+            <a:r>
+              <a:rPr lang="ko-KR" altLang="ko-KR" sz="1800" kern="100" dirty="0">
+                <a:effectLst/>
+                <a:latin typeface="맑은 고딕" panose="020B0503020000020004" pitchFamily="34" charset="-127"/>
+                <a:ea typeface="맑은 고딕" panose="020B0503020000020004" pitchFamily="34" charset="-127"/>
+                <a:cs typeface="Times New Roman" panose="02020603050405020304" pitchFamily="18" charset="0"/>
+              </a:rPr>
+              <a:t>스킬 레벨 상승시키는데 필요한 비용과 필요한 모험가 랭크 제어</a:t>
+            </a:r>
+          </a:p>
+        </p:txBody>
+      </p:sp>
+      <p:sp>
+        <p:nvSpPr>
+          <p:cNvPr id="7" name="TextBox 6">
+            <a:extLst>
+              <a:ext uri="{FF2B5EF4-FFF2-40B4-BE49-F238E27FC236}">
+                <a16:creationId xmlns:a16="http://schemas.microsoft.com/office/drawing/2014/main" id="{859B1E64-6076-49E5-B4D3-59C599642E97}"/>
+              </a:ext>
+            </a:extLst>
+          </p:cNvPr>
+          <p:cNvSpPr txBox="1"/>
+          <p:nvPr/>
+        </p:nvSpPr>
+        <p:spPr>
+          <a:xfrm>
+            <a:off x="85725" y="849243"/>
+            <a:ext cx="6097464" cy="763927"/>
+          </a:xfrm>
+          <a:prstGeom prst="rect">
+            <a:avLst/>
+          </a:prstGeom>
+          <a:noFill/>
+        </p:spPr>
+        <p:txBody>
+          <a:bodyPr wrap="square">
+            <a:spAutoFit/>
+          </a:bodyPr>
+          <a:lstStyle/>
+          <a:p>
+            <a:pPr marL="342900" lvl="0" indent="-342900" algn="just" latinLnBrk="1">
+              <a:lnSpc>
+                <a:spcPct val="107000"/>
+              </a:lnSpc>
+              <a:spcAft>
+                <a:spcPts val="800"/>
+              </a:spcAft>
+              <a:buFont typeface="Wingdings" panose="05000000000000000000" pitchFamily="2" charset="2"/>
+              <a:buChar char=""/>
+            </a:pPr>
+            <a:r>
+              <a:rPr lang="ko-KR" altLang="ko-KR" sz="1800" kern="100" dirty="0">
+                <a:effectLst/>
+                <a:latin typeface="맑은 고딕" panose="020B0503020000020004" pitchFamily="34" charset="-127"/>
+                <a:ea typeface="맑은 고딕" panose="020B0503020000020004" pitchFamily="34" charset="-127"/>
+                <a:cs typeface="Times New Roman" panose="02020603050405020304" pitchFamily="18" charset="0"/>
+              </a:rPr>
+              <a:t>이벤트 스트링 테이블</a:t>
+            </a:r>
+            <a:r>
+              <a:rPr lang="en-US" altLang="ko-KR" sz="1800" kern="100" dirty="0">
+                <a:effectLst/>
+                <a:latin typeface="맑은 고딕" panose="020B0503020000020004" pitchFamily="34" charset="-127"/>
+                <a:ea typeface="맑은 고딕" panose="020B0503020000020004" pitchFamily="34" charset="-127"/>
+                <a:cs typeface="Times New Roman" panose="02020603050405020304" pitchFamily="18" charset="0"/>
+              </a:rPr>
+              <a:t>(</a:t>
+            </a:r>
+            <a:r>
+              <a:rPr lang="en-US" altLang="ko-KR" sz="1800" kern="100" dirty="0" err="1">
+                <a:effectLst/>
+                <a:latin typeface="맑은 고딕" panose="020B0503020000020004" pitchFamily="34" charset="-127"/>
+                <a:ea typeface="맑은 고딕" panose="020B0503020000020004" pitchFamily="34" charset="-127"/>
+                <a:cs typeface="Times New Roman" panose="02020603050405020304" pitchFamily="18" charset="0"/>
+              </a:rPr>
+              <a:t>EventString</a:t>
+            </a:r>
+            <a:r>
+              <a:rPr lang="en-US" altLang="ko-KR" sz="1800" kern="100" dirty="0">
+                <a:effectLst/>
+                <a:latin typeface="맑은 고딕" panose="020B0503020000020004" pitchFamily="34" charset="-127"/>
+                <a:ea typeface="맑은 고딕" panose="020B0503020000020004" pitchFamily="34" charset="-127"/>
+                <a:cs typeface="Times New Roman" panose="02020603050405020304" pitchFamily="18" charset="0"/>
+              </a:rPr>
+              <a:t>)</a:t>
+            </a:r>
+            <a:endParaRPr lang="ko-KR" altLang="ko-KR" sz="1800" kern="100" dirty="0">
+              <a:effectLst/>
+              <a:latin typeface="맑은 고딕" panose="020B0503020000020004" pitchFamily="34" charset="-127"/>
+              <a:ea typeface="맑은 고딕" panose="020B0503020000020004" pitchFamily="34" charset="-127"/>
+              <a:cs typeface="Times New Roman" panose="02020603050405020304" pitchFamily="18" charset="0"/>
+            </a:endParaRPr>
+          </a:p>
+          <a:p>
+            <a:pPr marL="342900" lvl="0" indent="-342900" algn="just" latinLnBrk="1">
+              <a:lnSpc>
+                <a:spcPct val="107000"/>
+              </a:lnSpc>
+              <a:spcAft>
+                <a:spcPts val="800"/>
+              </a:spcAft>
+              <a:buFont typeface="맑은 고딕" panose="020B0503020000020004" pitchFamily="34" charset="-127"/>
+              <a:buChar char="-"/>
+            </a:pPr>
+            <a:r>
+              <a:rPr lang="ko-KR" altLang="ko-KR" sz="1800" kern="100" dirty="0">
+                <a:effectLst/>
+                <a:latin typeface="맑은 고딕" panose="020B0503020000020004" pitchFamily="34" charset="-127"/>
+                <a:ea typeface="맑은 고딕" panose="020B0503020000020004" pitchFamily="34" charset="-127"/>
+                <a:cs typeface="Times New Roman" panose="02020603050405020304" pitchFamily="18" charset="0"/>
+              </a:rPr>
+              <a:t>이벤트 결과로 나오는 스트링 제어</a:t>
+            </a:r>
+          </a:p>
+        </p:txBody>
+      </p:sp>
+      <p:sp>
+        <p:nvSpPr>
+          <p:cNvPr id="9" name="TextBox 8">
+            <a:extLst>
+              <a:ext uri="{FF2B5EF4-FFF2-40B4-BE49-F238E27FC236}">
+                <a16:creationId xmlns:a16="http://schemas.microsoft.com/office/drawing/2014/main" id="{A7F7D885-15F3-440D-83E5-78EBCDDB4EC6}"/>
+              </a:ext>
+            </a:extLst>
+          </p:cNvPr>
+          <p:cNvSpPr txBox="1"/>
+          <p:nvPr/>
+        </p:nvSpPr>
+        <p:spPr>
+          <a:xfrm>
+            <a:off x="85725" y="1613170"/>
+            <a:ext cx="6097464" cy="763927"/>
+          </a:xfrm>
+          <a:prstGeom prst="rect">
+            <a:avLst/>
+          </a:prstGeom>
+          <a:noFill/>
+        </p:spPr>
+        <p:txBody>
+          <a:bodyPr wrap="square">
+            <a:spAutoFit/>
+          </a:bodyPr>
+          <a:lstStyle/>
+          <a:p>
+            <a:pPr marL="342900" lvl="0" indent="-342900" algn="just" latinLnBrk="1">
+              <a:lnSpc>
+                <a:spcPct val="107000"/>
+              </a:lnSpc>
+              <a:spcAft>
+                <a:spcPts val="800"/>
+              </a:spcAft>
+              <a:buFont typeface="Wingdings" panose="05000000000000000000" pitchFamily="2" charset="2"/>
+              <a:buChar char=""/>
+            </a:pPr>
+            <a:r>
+              <a:rPr lang="ko-KR" altLang="ko-KR" sz="1800" kern="100" dirty="0">
+                <a:effectLst/>
+                <a:latin typeface="맑은 고딕" panose="020B0503020000020004" pitchFamily="34" charset="-127"/>
+                <a:ea typeface="맑은 고딕" panose="020B0503020000020004" pitchFamily="34" charset="-127"/>
+                <a:cs typeface="Times New Roman" panose="02020603050405020304" pitchFamily="18" charset="0"/>
+              </a:rPr>
+              <a:t>장착 가능한 스킬 정보 기획서에 업데이트</a:t>
+            </a:r>
+          </a:p>
+          <a:p>
+            <a:pPr marL="342900" lvl="0" indent="-342900" algn="just" latinLnBrk="1">
+              <a:lnSpc>
+                <a:spcPct val="107000"/>
+              </a:lnSpc>
+              <a:spcAft>
+                <a:spcPts val="800"/>
+              </a:spcAft>
+              <a:buFont typeface="맑은 고딕" panose="020B0503020000020004" pitchFamily="34" charset="-127"/>
+              <a:buChar char="-"/>
+            </a:pPr>
+            <a:r>
+              <a:rPr lang="ko-KR" altLang="ko-KR" sz="1800" kern="100" dirty="0">
+                <a:effectLst/>
+                <a:latin typeface="맑은 고딕" panose="020B0503020000020004" pitchFamily="34" charset="-127"/>
+                <a:ea typeface="맑은 고딕" panose="020B0503020000020004" pitchFamily="34" charset="-127"/>
+                <a:cs typeface="Times New Roman" panose="02020603050405020304" pitchFamily="18" charset="0"/>
+              </a:rPr>
+              <a:t>하드 코딩으로 구현 예정</a:t>
+            </a:r>
+          </a:p>
+        </p:txBody>
+      </p:sp>
+      <p:sp>
+        <p:nvSpPr>
+          <p:cNvPr id="11" name="TextBox 10">
+            <a:extLst>
+              <a:ext uri="{FF2B5EF4-FFF2-40B4-BE49-F238E27FC236}">
+                <a16:creationId xmlns:a16="http://schemas.microsoft.com/office/drawing/2014/main" id="{89D1B68D-5EB8-486B-A4D6-EE01C929FA72}"/>
+              </a:ext>
+            </a:extLst>
+          </p:cNvPr>
+          <p:cNvSpPr txBox="1"/>
+          <p:nvPr/>
+        </p:nvSpPr>
+        <p:spPr>
+          <a:xfrm>
+            <a:off x="85725" y="2451905"/>
+            <a:ext cx="6097464" cy="1162882"/>
+          </a:xfrm>
+          <a:prstGeom prst="rect">
+            <a:avLst/>
+          </a:prstGeom>
+          <a:noFill/>
+        </p:spPr>
+        <p:txBody>
+          <a:bodyPr wrap="square">
+            <a:spAutoFit/>
+          </a:bodyPr>
+          <a:lstStyle/>
+          <a:p>
+            <a:pPr marL="342900" lvl="0" indent="-342900" algn="just" latinLnBrk="1">
+              <a:lnSpc>
+                <a:spcPct val="107000"/>
+              </a:lnSpc>
+              <a:spcAft>
+                <a:spcPts val="800"/>
+              </a:spcAft>
+              <a:buFont typeface="Wingdings" panose="05000000000000000000" pitchFamily="2" charset="2"/>
+              <a:buChar char=""/>
+            </a:pPr>
+            <a:r>
+              <a:rPr lang="en-US" altLang="ko-KR" sz="1800" kern="100" dirty="0">
+                <a:effectLst/>
+                <a:latin typeface="맑은 고딕" panose="020B0503020000020004" pitchFamily="34" charset="-127"/>
+                <a:ea typeface="맑은 고딕" panose="020B0503020000020004" pitchFamily="34" charset="-127"/>
+                <a:cs typeface="Times New Roman" panose="02020603050405020304" pitchFamily="18" charset="0"/>
+              </a:rPr>
+              <a:t>SFX </a:t>
+            </a:r>
+            <a:r>
+              <a:rPr lang="ko-KR" altLang="ko-KR" sz="1800" kern="100" dirty="0">
+                <a:effectLst/>
+                <a:latin typeface="맑은 고딕" panose="020B0503020000020004" pitchFamily="34" charset="-127"/>
+                <a:ea typeface="맑은 고딕" panose="020B0503020000020004" pitchFamily="34" charset="-127"/>
+                <a:cs typeface="Times New Roman" panose="02020603050405020304" pitchFamily="18" charset="0"/>
+              </a:rPr>
+              <a:t>추가</a:t>
+            </a:r>
+          </a:p>
+          <a:p>
+            <a:pPr marL="342900" lvl="0" indent="-342900" algn="just" latinLnBrk="1">
+              <a:lnSpc>
+                <a:spcPct val="107000"/>
+              </a:lnSpc>
+              <a:spcAft>
+                <a:spcPts val="800"/>
+              </a:spcAft>
+              <a:buFont typeface="맑은 고딕" panose="020B0503020000020004" pitchFamily="34" charset="-127"/>
+              <a:buChar char="-"/>
+            </a:pPr>
+            <a:r>
+              <a:rPr lang="ko-KR" altLang="ko-KR" sz="1800" kern="100" dirty="0">
+                <a:effectLst/>
+                <a:latin typeface="맑은 고딕" panose="020B0503020000020004" pitchFamily="34" charset="-127"/>
+                <a:ea typeface="맑은 고딕" panose="020B0503020000020004" pitchFamily="34" charset="-127"/>
+                <a:cs typeface="Times New Roman" panose="02020603050405020304" pitchFamily="18" charset="0"/>
+              </a:rPr>
+              <a:t>스킬 사용 시 효과음 </a:t>
+            </a:r>
+            <a:r>
+              <a:rPr lang="en-US" altLang="ko-KR" sz="1800" kern="100" dirty="0">
+                <a:effectLst/>
+                <a:latin typeface="맑은 고딕" panose="020B0503020000020004" pitchFamily="34" charset="-127"/>
+                <a:ea typeface="맑은 고딕" panose="020B0503020000020004" pitchFamily="34" charset="-127"/>
+                <a:cs typeface="Times New Roman" panose="02020603050405020304" pitchFamily="18" charset="0"/>
+              </a:rPr>
+              <a:t>14</a:t>
+            </a:r>
+            <a:r>
+              <a:rPr lang="ko-KR" altLang="ko-KR" sz="1800" kern="100" dirty="0">
+                <a:effectLst/>
+                <a:latin typeface="맑은 고딕" panose="020B0503020000020004" pitchFamily="34" charset="-127"/>
+                <a:ea typeface="맑은 고딕" panose="020B0503020000020004" pitchFamily="34" charset="-127"/>
+                <a:cs typeface="Times New Roman" panose="02020603050405020304" pitchFamily="18" charset="0"/>
+              </a:rPr>
+              <a:t>종 추가</a:t>
+            </a:r>
+          </a:p>
+          <a:p>
+            <a:pPr marL="342900" lvl="0" indent="-342900" algn="just" latinLnBrk="1">
+              <a:lnSpc>
+                <a:spcPct val="107000"/>
+              </a:lnSpc>
+              <a:spcAft>
+                <a:spcPts val="800"/>
+              </a:spcAft>
+              <a:buFont typeface="맑은 고딕" panose="020B0503020000020004" pitchFamily="34" charset="-127"/>
+              <a:buChar char="-"/>
+            </a:pPr>
+            <a:r>
+              <a:rPr lang="ko-KR" altLang="ko-KR" sz="1800" kern="100" dirty="0">
+                <a:effectLst/>
+                <a:latin typeface="맑은 고딕" panose="020B0503020000020004" pitchFamily="34" charset="-127"/>
+                <a:ea typeface="맑은 고딕" panose="020B0503020000020004" pitchFamily="34" charset="-127"/>
+                <a:cs typeface="Times New Roman" panose="02020603050405020304" pitchFamily="18" charset="0"/>
+              </a:rPr>
+              <a:t>버튼 클릭 소리 추가</a:t>
+            </a:r>
+          </a:p>
+        </p:txBody>
+      </p:sp>
+      <p:sp>
+        <p:nvSpPr>
+          <p:cNvPr id="13" name="TextBox 12">
+            <a:extLst>
+              <a:ext uri="{FF2B5EF4-FFF2-40B4-BE49-F238E27FC236}">
+                <a16:creationId xmlns:a16="http://schemas.microsoft.com/office/drawing/2014/main" id="{C6DD66BB-D701-4656-ACCB-375E67A83135}"/>
+              </a:ext>
+            </a:extLst>
+          </p:cNvPr>
+          <p:cNvSpPr txBox="1"/>
+          <p:nvPr/>
+        </p:nvSpPr>
+        <p:spPr>
+          <a:xfrm>
+            <a:off x="85725" y="3614787"/>
+            <a:ext cx="6097464" cy="1162882"/>
+          </a:xfrm>
+          <a:prstGeom prst="rect">
+            <a:avLst/>
+          </a:prstGeom>
+          <a:noFill/>
+        </p:spPr>
+        <p:txBody>
+          <a:bodyPr wrap="square">
+            <a:spAutoFit/>
+          </a:bodyPr>
+          <a:lstStyle/>
+          <a:p>
+            <a:pPr marL="342900" lvl="0" indent="-342900" algn="just" latinLnBrk="1">
+              <a:lnSpc>
+                <a:spcPct val="107000"/>
+              </a:lnSpc>
+              <a:spcAft>
+                <a:spcPts val="800"/>
+              </a:spcAft>
+              <a:buFont typeface="Wingdings" panose="05000000000000000000" pitchFamily="2" charset="2"/>
+              <a:buChar char=""/>
+            </a:pPr>
+            <a:r>
+              <a:rPr lang="ko-KR" altLang="ko-KR" sz="1800" kern="100" dirty="0">
+                <a:effectLst/>
+                <a:latin typeface="맑은 고딕" panose="020B0503020000020004" pitchFamily="34" charset="-127"/>
+                <a:ea typeface="맑은 고딕" panose="020B0503020000020004" pitchFamily="34" charset="-127"/>
+                <a:cs typeface="Times New Roman" panose="02020603050405020304" pitchFamily="18" charset="0"/>
+              </a:rPr>
+              <a:t>스트링 데이터</a:t>
+            </a:r>
+          </a:p>
+          <a:p>
+            <a:pPr marL="342900" lvl="0" indent="-342900" algn="just" latinLnBrk="1">
+              <a:lnSpc>
+                <a:spcPct val="107000"/>
+              </a:lnSpc>
+              <a:spcAft>
+                <a:spcPts val="800"/>
+              </a:spcAft>
+              <a:buFont typeface="맑은 고딕" panose="020B0503020000020004" pitchFamily="34" charset="-127"/>
+              <a:buChar char="-"/>
+            </a:pPr>
+            <a:r>
+              <a:rPr lang="ko-KR" altLang="ko-KR" sz="1800" kern="100" dirty="0">
+                <a:effectLst/>
+                <a:latin typeface="맑은 고딕" panose="020B0503020000020004" pitchFamily="34" charset="-127"/>
+                <a:ea typeface="맑은 고딕" panose="020B0503020000020004" pitchFamily="34" charset="-127"/>
+                <a:cs typeface="Times New Roman" panose="02020603050405020304" pitchFamily="18" charset="0"/>
+              </a:rPr>
+              <a:t>캐릭터 이름 테이블</a:t>
+            </a:r>
+          </a:p>
+          <a:p>
+            <a:pPr marL="342900" lvl="0" indent="-342900" algn="just" latinLnBrk="1">
+              <a:lnSpc>
+                <a:spcPct val="107000"/>
+              </a:lnSpc>
+              <a:spcAft>
+                <a:spcPts val="800"/>
+              </a:spcAft>
+              <a:buFont typeface="맑은 고딕" panose="020B0503020000020004" pitchFamily="34" charset="-127"/>
+              <a:buChar char="-"/>
+            </a:pPr>
+            <a:r>
+              <a:rPr lang="ko-KR" altLang="ko-KR" sz="1800" kern="100" dirty="0">
+                <a:effectLst/>
+                <a:latin typeface="맑은 고딕" panose="020B0503020000020004" pitchFamily="34" charset="-127"/>
+                <a:ea typeface="맑은 고딕" panose="020B0503020000020004" pitchFamily="34" charset="-127"/>
+                <a:cs typeface="Times New Roman" panose="02020603050405020304" pitchFamily="18" charset="0"/>
+              </a:rPr>
+              <a:t>직업 설명 테이블</a:t>
+            </a:r>
+          </a:p>
+        </p:txBody>
+      </p:sp>
+      <p:sp>
+        <p:nvSpPr>
+          <p:cNvPr id="15" name="TextBox 14">
+            <a:extLst>
+              <a:ext uri="{FF2B5EF4-FFF2-40B4-BE49-F238E27FC236}">
+                <a16:creationId xmlns:a16="http://schemas.microsoft.com/office/drawing/2014/main" id="{2276D4D5-8F88-4A6D-B61E-1A48D2B07101}"/>
+              </a:ext>
+            </a:extLst>
+          </p:cNvPr>
+          <p:cNvSpPr txBox="1"/>
+          <p:nvPr/>
+        </p:nvSpPr>
+        <p:spPr>
+          <a:xfrm>
+            <a:off x="85725" y="4777669"/>
+            <a:ext cx="6097464" cy="1162882"/>
+          </a:xfrm>
+          <a:prstGeom prst="rect">
+            <a:avLst/>
+          </a:prstGeom>
+          <a:noFill/>
+        </p:spPr>
+        <p:txBody>
+          <a:bodyPr wrap="square">
+            <a:spAutoFit/>
+          </a:bodyPr>
+          <a:lstStyle/>
+          <a:p>
+            <a:pPr marL="342900" lvl="0" indent="-342900" algn="just" latinLnBrk="1">
+              <a:lnSpc>
+                <a:spcPct val="107000"/>
+              </a:lnSpc>
+              <a:spcAft>
+                <a:spcPts val="800"/>
+              </a:spcAft>
+              <a:buFont typeface="Wingdings" panose="05000000000000000000" pitchFamily="2" charset="2"/>
+              <a:buChar char=""/>
+            </a:pPr>
+            <a:r>
+              <a:rPr lang="ko-KR" altLang="ko-KR" sz="1800" kern="100" dirty="0">
+                <a:effectLst/>
+                <a:latin typeface="맑은 고딕" panose="020B0503020000020004" pitchFamily="34" charset="-127"/>
+                <a:ea typeface="맑은 고딕" panose="020B0503020000020004" pitchFamily="34" charset="-127"/>
+                <a:cs typeface="Times New Roman" panose="02020603050405020304" pitchFamily="18" charset="0"/>
+              </a:rPr>
+              <a:t>용병 고용 테이블 추가</a:t>
+            </a:r>
+          </a:p>
+          <a:p>
+            <a:pPr marL="342900" lvl="0" indent="-342900" algn="just" latinLnBrk="1">
+              <a:lnSpc>
+                <a:spcPct val="107000"/>
+              </a:lnSpc>
+              <a:spcAft>
+                <a:spcPts val="800"/>
+              </a:spcAft>
+              <a:buFont typeface="맑은 고딕" panose="020B0503020000020004" pitchFamily="34" charset="-127"/>
+              <a:buChar char="-"/>
+            </a:pPr>
+            <a:r>
+              <a:rPr lang="ko-KR" altLang="ko-KR" sz="1800" kern="100" dirty="0">
+                <a:effectLst/>
+                <a:latin typeface="맑은 고딕" panose="020B0503020000020004" pitchFamily="34" charset="-127"/>
+                <a:ea typeface="맑은 고딕" panose="020B0503020000020004" pitchFamily="34" charset="-127"/>
+                <a:cs typeface="Times New Roman" panose="02020603050405020304" pitchFamily="18" charset="0"/>
+              </a:rPr>
+              <a:t>모험가 랭크 별 나올 수 있는 용병의 레벨 제어</a:t>
+            </a:r>
+          </a:p>
+          <a:p>
+            <a:pPr marL="342900" lvl="0" indent="-342900" algn="just" latinLnBrk="1">
+              <a:lnSpc>
+                <a:spcPct val="107000"/>
+              </a:lnSpc>
+              <a:spcAft>
+                <a:spcPts val="800"/>
+              </a:spcAft>
+              <a:buFont typeface="맑은 고딕" panose="020B0503020000020004" pitchFamily="34" charset="-127"/>
+              <a:buChar char="-"/>
+            </a:pPr>
+            <a:r>
+              <a:rPr lang="ko-KR" altLang="ko-KR" sz="1800" kern="100" dirty="0">
+                <a:effectLst/>
+                <a:latin typeface="맑은 고딕" panose="020B0503020000020004" pitchFamily="34" charset="-127"/>
+                <a:ea typeface="맑은 고딕" panose="020B0503020000020004" pitchFamily="34" charset="-127"/>
+                <a:cs typeface="Times New Roman" panose="02020603050405020304" pitchFamily="18" charset="0"/>
+              </a:rPr>
+              <a:t>가격 제어</a:t>
+            </a:r>
+          </a:p>
+        </p:txBody>
+      </p:sp>
+      <p:sp>
+        <p:nvSpPr>
+          <p:cNvPr id="17" name="TextBox 16">
+            <a:extLst>
+              <a:ext uri="{FF2B5EF4-FFF2-40B4-BE49-F238E27FC236}">
+                <a16:creationId xmlns:a16="http://schemas.microsoft.com/office/drawing/2014/main" id="{A43C76F3-1385-4E0A-BB75-4FC1F93CF45E}"/>
+              </a:ext>
+            </a:extLst>
+          </p:cNvPr>
+          <p:cNvSpPr txBox="1"/>
+          <p:nvPr/>
+        </p:nvSpPr>
+        <p:spPr>
+          <a:xfrm>
+            <a:off x="85725" y="5940551"/>
+            <a:ext cx="6097464" cy="364972"/>
+          </a:xfrm>
+          <a:prstGeom prst="rect">
+            <a:avLst/>
+          </a:prstGeom>
+          <a:noFill/>
+        </p:spPr>
+        <p:txBody>
+          <a:bodyPr wrap="square">
+            <a:spAutoFit/>
+          </a:bodyPr>
+          <a:lstStyle/>
+          <a:p>
+            <a:pPr marL="342900" lvl="0" indent="-342900" algn="just" latinLnBrk="1">
+              <a:lnSpc>
+                <a:spcPct val="107000"/>
+              </a:lnSpc>
+              <a:spcAft>
+                <a:spcPts val="800"/>
+              </a:spcAft>
+              <a:buFont typeface="Wingdings" panose="05000000000000000000" pitchFamily="2" charset="2"/>
+              <a:buChar char=""/>
+            </a:pPr>
+            <a:r>
+              <a:rPr lang="ko-KR" altLang="ko-KR" sz="1800" kern="100" dirty="0">
+                <a:effectLst/>
+                <a:latin typeface="맑은 고딕" panose="020B0503020000020004" pitchFamily="34" charset="-127"/>
+                <a:ea typeface="맑은 고딕" panose="020B0503020000020004" pitchFamily="34" charset="-127"/>
+                <a:cs typeface="Times New Roman" panose="02020603050405020304" pitchFamily="18" charset="0"/>
+              </a:rPr>
+              <a:t>스킬 설명 테이블 추가</a:t>
+            </a:r>
+            <a:r>
+              <a:rPr lang="en-US" altLang="ko-KR" sz="1800" kern="100" dirty="0">
+                <a:effectLst/>
+                <a:latin typeface="맑은 고딕" panose="020B0503020000020004" pitchFamily="34" charset="-127"/>
+                <a:ea typeface="맑은 고딕" panose="020B0503020000020004" pitchFamily="34" charset="-127"/>
+                <a:cs typeface="Times New Roman" panose="02020603050405020304" pitchFamily="18" charset="0"/>
+              </a:rPr>
+              <a:t>(</a:t>
+            </a:r>
+            <a:r>
+              <a:rPr lang="en-US" altLang="ko-KR" sz="1800" kern="100" dirty="0" err="1">
+                <a:effectLst/>
+                <a:latin typeface="맑은 고딕" panose="020B0503020000020004" pitchFamily="34" charset="-127"/>
+                <a:ea typeface="맑은 고딕" panose="020B0503020000020004" pitchFamily="34" charset="-127"/>
+                <a:cs typeface="Times New Roman" panose="02020603050405020304" pitchFamily="18" charset="0"/>
+              </a:rPr>
+              <a:t>SkillString</a:t>
+            </a:r>
+            <a:r>
+              <a:rPr lang="en-US" altLang="ko-KR" sz="1800" kern="100" dirty="0">
+                <a:effectLst/>
+                <a:latin typeface="맑은 고딕" panose="020B0503020000020004" pitchFamily="34" charset="-127"/>
+                <a:ea typeface="맑은 고딕" panose="020B0503020000020004" pitchFamily="34" charset="-127"/>
+                <a:cs typeface="Times New Roman" panose="02020603050405020304" pitchFamily="18" charset="0"/>
+              </a:rPr>
+              <a:t>)</a:t>
+            </a:r>
+            <a:r>
+              <a:rPr lang="ko-KR" altLang="ko-KR" sz="1800" kern="100" dirty="0">
+                <a:effectLst/>
+                <a:latin typeface="맑은 고딕" panose="020B0503020000020004" pitchFamily="34" charset="-127"/>
+                <a:ea typeface="맑은 고딕" panose="020B0503020000020004" pitchFamily="34" charset="-127"/>
+                <a:cs typeface="Times New Roman" panose="02020603050405020304" pitchFamily="18" charset="0"/>
+              </a:rPr>
+              <a:t> </a:t>
+            </a:r>
+          </a:p>
+        </p:txBody>
+      </p:sp>
+    </p:spTree>
+    <p:extLst>
+      <p:ext uri="{BB962C8B-B14F-4D97-AF65-F5344CB8AC3E}">
+        <p14:creationId xmlns:p14="http://schemas.microsoft.com/office/powerpoint/2010/main" val="743632385"/>
       </p:ext>
     </p:extLst>
   </p:cSld>
